--- a/6_Reagowanie_na_incydenty.pptx
+++ b/6_Reagowanie_na_incydenty.pptx
@@ -5,7 +5,7 @@
     <p:sldMasterId id="2147483648" r:id="rId1"/>
   </p:sldMasterIdLst>
   <p:notesMasterIdLst>
-    <p:notesMasterId r:id="rId49"/>
+    <p:notesMasterId r:id="rId51"/>
   </p:notesMasterIdLst>
   <p:sldIdLst>
     <p:sldId id="256" r:id="rId2"/>
@@ -54,7 +54,9 @@
     <p:sldId id="489" r:id="rId45"/>
     <p:sldId id="484" r:id="rId46"/>
     <p:sldId id="480" r:id="rId47"/>
-    <p:sldId id="435" r:id="rId48"/>
+    <p:sldId id="490" r:id="rId48"/>
+    <p:sldId id="435" r:id="rId49"/>
+    <p:sldId id="492" r:id="rId50"/>
   </p:sldIdLst>
   <p:sldSz cx="12192000" cy="6858000"/>
   <p:notesSz cx="6858000" cy="9144000"/>
@@ -243,7 +245,7 @@
           <a:p>
             <a:fld id="{5030ED2E-3D69-483A-A1D3-737DA805A09E}" type="datetimeFigureOut">
               <a:rPr lang="en-US" smtClean="0"/>
-              <a:t>11/10/2020</a:t>
+              <a:t>11/24/2020</a:t>
             </a:fld>
             <a:endParaRPr lang="en-US"/>
           </a:p>
@@ -4163,6 +4165,90 @@
       </p:grpSpPr>
       <p:sp>
         <p:nvSpPr>
+          <p:cNvPr id="2" name="Slide Image Placeholder 1"/>
+          <p:cNvSpPr>
+            <a:spLocks noGrp="1" noRot="1" noChangeAspect="1"/>
+          </p:cNvSpPr>
+          <p:nvPr>
+            <p:ph type="sldImg"/>
+          </p:nvPr>
+        </p:nvSpPr>
+        <p:spPr/>
+      </p:sp>
+      <p:sp>
+        <p:nvSpPr>
+          <p:cNvPr id="3" name="Notes Placeholder 2"/>
+          <p:cNvSpPr>
+            <a:spLocks noGrp="1"/>
+          </p:cNvSpPr>
+          <p:nvPr>
+            <p:ph type="body" idx="1"/>
+          </p:nvPr>
+        </p:nvSpPr>
+        <p:spPr/>
+        <p:txBody>
+          <a:bodyPr/>
+          <a:lstStyle/>
+          <a:p>
+            <a:endParaRPr lang="pl-PL"/>
+          </a:p>
+        </p:txBody>
+      </p:sp>
+      <p:sp>
+        <p:nvSpPr>
+          <p:cNvPr id="4" name="Slide Number Placeholder 3"/>
+          <p:cNvSpPr>
+            <a:spLocks noGrp="1"/>
+          </p:cNvSpPr>
+          <p:nvPr>
+            <p:ph type="sldNum" sz="quarter" idx="5"/>
+          </p:nvPr>
+        </p:nvSpPr>
+        <p:spPr/>
+        <p:txBody>
+          <a:bodyPr/>
+          <a:lstStyle/>
+          <a:p>
+            <a:fld id="{7BAF9B2D-85E6-4452-BFA0-3C1BE0D5783E}" type="slidenum">
+              <a:rPr lang="en-US" smtClean="0"/>
+              <a:t>47</a:t>
+            </a:fld>
+            <a:endParaRPr lang="en-US"/>
+          </a:p>
+        </p:txBody>
+      </p:sp>
+    </p:spTree>
+    <p:extLst>
+      <p:ext uri="{BB962C8B-B14F-4D97-AF65-F5344CB8AC3E}">
+        <p14:creationId xmlns:p14="http://schemas.microsoft.com/office/powerpoint/2010/main" val="305973454"/>
+      </p:ext>
+    </p:extLst>
+  </p:cSld>
+  <p:clrMapOvr>
+    <a:masterClrMapping/>
+  </p:clrMapOvr>
+</p:notes>
+</file>
+
+<file path=ppt/notesSlides/notesSlide48.xml><?xml version="1.0" encoding="utf-8"?>
+<p:notes xmlns:a="http://schemas.openxmlformats.org/drawingml/2006/main" xmlns:r="http://schemas.openxmlformats.org/officeDocument/2006/relationships" xmlns:p="http://schemas.openxmlformats.org/presentationml/2006/main">
+  <p:cSld>
+    <p:spTree>
+      <p:nvGrpSpPr>
+        <p:cNvPr id="1" name=""/>
+        <p:cNvGrpSpPr/>
+        <p:nvPr/>
+      </p:nvGrpSpPr>
+      <p:grpSpPr>
+        <a:xfrm>
+          <a:off x="0" y="0"/>
+          <a:ext cx="0" cy="0"/>
+          <a:chOff x="0" y="0"/>
+          <a:chExt cx="0" cy="0"/>
+        </a:xfrm>
+      </p:grpSpPr>
+      <p:sp>
+        <p:nvSpPr>
           <p:cNvPr id="4098" name="Notes Placeholder">
             <a:extLst>
               <a:ext uri="{FF2B5EF4-FFF2-40B4-BE49-F238E27FC236}">
@@ -4825,7 +4911,7 @@
           <a:p>
             <a:fld id="{ECC34D63-B9C8-4C03-BEE1-E5EE606B8F38}" type="datetimeFigureOut">
               <a:rPr lang="en-US" smtClean="0"/>
-              <a:t>11/10/2020</a:t>
+              <a:t>11/24/2020</a:t>
             </a:fld>
             <a:endParaRPr lang="en-US"/>
           </a:p>
@@ -5023,7 +5109,7 @@
           <a:p>
             <a:fld id="{ECC34D63-B9C8-4C03-BEE1-E5EE606B8F38}" type="datetimeFigureOut">
               <a:rPr lang="en-US" smtClean="0"/>
-              <a:t>11/10/2020</a:t>
+              <a:t>11/24/2020</a:t>
             </a:fld>
             <a:endParaRPr lang="en-US"/>
           </a:p>
@@ -5231,7 +5317,7 @@
           <a:p>
             <a:fld id="{ECC34D63-B9C8-4C03-BEE1-E5EE606B8F38}" type="datetimeFigureOut">
               <a:rPr lang="en-US" smtClean="0"/>
-              <a:t>11/10/2020</a:t>
+              <a:t>11/24/2020</a:t>
             </a:fld>
             <a:endParaRPr lang="en-US"/>
           </a:p>
@@ -5429,7 +5515,7 @@
           <a:p>
             <a:fld id="{ECC34D63-B9C8-4C03-BEE1-E5EE606B8F38}" type="datetimeFigureOut">
               <a:rPr lang="en-US" smtClean="0"/>
-              <a:t>11/10/2020</a:t>
+              <a:t>11/24/2020</a:t>
             </a:fld>
             <a:endParaRPr lang="en-US"/>
           </a:p>
@@ -5704,7 +5790,7 @@
           <a:p>
             <a:fld id="{ECC34D63-B9C8-4C03-BEE1-E5EE606B8F38}" type="datetimeFigureOut">
               <a:rPr lang="en-US" smtClean="0"/>
-              <a:t>11/10/2020</a:t>
+              <a:t>11/24/2020</a:t>
             </a:fld>
             <a:endParaRPr lang="en-US"/>
           </a:p>
@@ -5969,7 +6055,7 @@
           <a:p>
             <a:fld id="{ECC34D63-B9C8-4C03-BEE1-E5EE606B8F38}" type="datetimeFigureOut">
               <a:rPr lang="en-US" smtClean="0"/>
-              <a:t>11/10/2020</a:t>
+              <a:t>11/24/2020</a:t>
             </a:fld>
             <a:endParaRPr lang="en-US"/>
           </a:p>
@@ -6381,7 +6467,7 @@
           <a:p>
             <a:fld id="{ECC34D63-B9C8-4C03-BEE1-E5EE606B8F38}" type="datetimeFigureOut">
               <a:rPr lang="en-US" smtClean="0"/>
-              <a:t>11/10/2020</a:t>
+              <a:t>11/24/2020</a:t>
             </a:fld>
             <a:endParaRPr lang="en-US"/>
           </a:p>
@@ -6522,7 +6608,7 @@
           <a:p>
             <a:fld id="{ECC34D63-B9C8-4C03-BEE1-E5EE606B8F38}" type="datetimeFigureOut">
               <a:rPr lang="en-US" smtClean="0"/>
-              <a:t>11/10/2020</a:t>
+              <a:t>11/24/2020</a:t>
             </a:fld>
             <a:endParaRPr lang="en-US"/>
           </a:p>
@@ -6635,7 +6721,7 @@
           <a:p>
             <a:fld id="{ECC34D63-B9C8-4C03-BEE1-E5EE606B8F38}" type="datetimeFigureOut">
               <a:rPr lang="en-US" smtClean="0"/>
-              <a:t>11/10/2020</a:t>
+              <a:t>11/24/2020</a:t>
             </a:fld>
             <a:endParaRPr lang="en-US"/>
           </a:p>
@@ -6946,7 +7032,7 @@
           <a:p>
             <a:fld id="{ECC34D63-B9C8-4C03-BEE1-E5EE606B8F38}" type="datetimeFigureOut">
               <a:rPr lang="en-US" smtClean="0"/>
-              <a:t>11/10/2020</a:t>
+              <a:t>11/24/2020</a:t>
             </a:fld>
             <a:endParaRPr lang="en-US"/>
           </a:p>
@@ -7234,7 +7320,7 @@
           <a:p>
             <a:fld id="{ECC34D63-B9C8-4C03-BEE1-E5EE606B8F38}" type="datetimeFigureOut">
               <a:rPr lang="en-US" smtClean="0"/>
-              <a:t>11/10/2020</a:t>
+              <a:t>11/24/2020</a:t>
             </a:fld>
             <a:endParaRPr lang="en-US"/>
           </a:p>
@@ -7475,7 +7561,7 @@
           <a:p>
             <a:fld id="{ECC34D63-B9C8-4C03-BEE1-E5EE606B8F38}" type="datetimeFigureOut">
               <a:rPr lang="en-US" smtClean="0"/>
-              <a:t>11/10/2020</a:t>
+              <a:t>11/24/2020</a:t>
             </a:fld>
             <a:endParaRPr lang="en-US"/>
           </a:p>
@@ -21876,6 +21962,202 @@
 <file path=ppt/slides/slide47.xml><?xml version="1.0" encoding="utf-8"?>
 <p:sld xmlns:a="http://schemas.openxmlformats.org/drawingml/2006/main" xmlns:r="http://schemas.openxmlformats.org/officeDocument/2006/relationships" xmlns:p="http://schemas.openxmlformats.org/presentationml/2006/main">
   <p:cSld>
+    <p:spTree>
+      <p:nvGrpSpPr>
+        <p:cNvPr id="1" name=""/>
+        <p:cNvGrpSpPr/>
+        <p:nvPr/>
+      </p:nvGrpSpPr>
+      <p:grpSpPr>
+        <a:xfrm>
+          <a:off x="0" y="0"/>
+          <a:ext cx="0" cy="0"/>
+          <a:chOff x="0" y="0"/>
+          <a:chExt cx="0" cy="0"/>
+        </a:xfrm>
+      </p:grpSpPr>
+      <p:sp>
+        <p:nvSpPr>
+          <p:cNvPr id="2" name="Title 1">
+            <a:extLst>
+              <a:ext uri="{FF2B5EF4-FFF2-40B4-BE49-F238E27FC236}">
+                <a16:creationId xmlns:a16="http://schemas.microsoft.com/office/drawing/2014/main" id="{41A1FB21-2F74-4158-A859-A78E37C01B8B}"/>
+              </a:ext>
+            </a:extLst>
+          </p:cNvPr>
+          <p:cNvSpPr>
+            <a:spLocks noGrp="1"/>
+          </p:cNvSpPr>
+          <p:nvPr>
+            <p:ph type="title"/>
+          </p:nvPr>
+        </p:nvSpPr>
+        <p:spPr>
+          <a:xfrm>
+            <a:off x="762201" y="112764"/>
+            <a:ext cx="10974157" cy="1115961"/>
+          </a:xfrm>
+        </p:spPr>
+        <p:txBody>
+          <a:bodyPr/>
+          <a:lstStyle/>
+          <a:p>
+            <a:pPr algn="ctr">
+              <a:defRPr/>
+            </a:pPr>
+            <a:r>
+              <a:rPr lang="en-US" sz="4356" b="1">
+                <a:latin typeface="Consolas" panose="020B0609020204030204" pitchFamily="49" charset="0"/>
+                <a:cs typeface="Arial" panose="020B0604020202020204" pitchFamily="34" charset="0"/>
+              </a:rPr>
+              <a:t>HACK BACK!?</a:t>
+            </a:r>
+          </a:p>
+        </p:txBody>
+      </p:sp>
+      <p:sp>
+        <p:nvSpPr>
+          <p:cNvPr id="3" name="TextBox 2">
+            <a:extLst>
+              <a:ext uri="{FF2B5EF4-FFF2-40B4-BE49-F238E27FC236}">
+                <a16:creationId xmlns:a16="http://schemas.microsoft.com/office/drawing/2014/main" id="{037C99E1-8277-4146-B9F6-F5D30DF23194}"/>
+              </a:ext>
+            </a:extLst>
+          </p:cNvPr>
+          <p:cNvSpPr txBox="1"/>
+          <p:nvPr/>
+        </p:nvSpPr>
+        <p:spPr>
+          <a:xfrm>
+            <a:off x="688257" y="1228725"/>
+            <a:ext cx="9859670" cy="5293757"/>
+          </a:xfrm>
+          <a:prstGeom prst="rect">
+            <a:avLst/>
+          </a:prstGeom>
+          <a:noFill/>
+        </p:spPr>
+        <p:txBody>
+          <a:bodyPr wrap="square" rtlCol="0">
+            <a:spAutoFit/>
+          </a:bodyPr>
+          <a:lstStyle/>
+          <a:p>
+            <a:pPr marL="457200" indent="-457200">
+              <a:buFont typeface="Arial" panose="020B0604020202020204" pitchFamily="34" charset="0"/>
+              <a:buChar char="•"/>
+            </a:pPr>
+            <a:r>
+              <a:rPr lang="en-US" sz="2600"/>
+              <a:t>Co jakiś czas pojawiają się zakusy dotyczące włamań odwetowych (ang. </a:t>
+            </a:r>
+            <a:r>
+              <a:rPr lang="en-US" sz="2600" i="1"/>
+              <a:t>hack back</a:t>
+            </a:r>
+            <a:r>
+              <a:rPr lang="en-US" sz="2600"/>
+              <a:t>), tj. działań ofensywnych zmierzających do np. zniszczenia infrastruktury używanej do ataku/infiltracji osób stojących za włamaniem</a:t>
+            </a:r>
+          </a:p>
+          <a:p>
+            <a:pPr marL="457200" indent="-457200">
+              <a:buFont typeface="Arial" panose="020B0604020202020204" pitchFamily="34" charset="0"/>
+              <a:buChar char="•"/>
+            </a:pPr>
+            <a:r>
+              <a:rPr lang="en-US" sz="2600"/>
+              <a:t>Przeszkodami w tym podejściu są:</a:t>
+            </a:r>
+          </a:p>
+          <a:p>
+            <a:pPr marL="914400" lvl="1" indent="-457200">
+              <a:buFont typeface="Arial" panose="020B0604020202020204" pitchFamily="34" charset="0"/>
+              <a:buChar char="•"/>
+            </a:pPr>
+            <a:r>
+              <a:rPr lang="en-US" sz="2600"/>
+              <a:t>prawo</a:t>
+            </a:r>
+          </a:p>
+          <a:p>
+            <a:pPr marL="914400" lvl="1" indent="-457200">
+              <a:buFont typeface="Arial" panose="020B0604020202020204" pitchFamily="34" charset="0"/>
+              <a:buChar char="•"/>
+            </a:pPr>
+            <a:r>
+              <a:rPr lang="en-US" sz="2600"/>
+              <a:t>niskie ROI (Return Of Investment) tego typu działań</a:t>
+            </a:r>
+          </a:p>
+          <a:p>
+            <a:pPr marL="457200" indent="-457200">
+              <a:buFont typeface="Arial" panose="020B0604020202020204" pitchFamily="34" charset="0"/>
+              <a:buChar char="•"/>
+            </a:pPr>
+            <a:r>
+              <a:rPr lang="en-US" sz="2600"/>
+              <a:t>W kontekście pandemii i ostatnich incydentów ransomware, których ofiarami często padają szpitale, możliwe wydają się operacje ofensywne ze strony wojskowej i wywiadowczej przeciwko operatorom ransomware</a:t>
+            </a:r>
+          </a:p>
+          <a:p>
+            <a:pPr marL="457200" indent="-457200">
+              <a:buFont typeface="Arial" panose="020B0604020202020204" pitchFamily="34" charset="0"/>
+              <a:buChar char="•"/>
+            </a:pPr>
+            <a:r>
+              <a:rPr lang="en-US" sz="2600"/>
+              <a:t>Inną formą jest legalne przejmowanie np. domen używanych do podszywania się (za pomocą nakazów sądowych)</a:t>
+            </a:r>
+          </a:p>
+        </p:txBody>
+      </p:sp>
+      <p:pic>
+        <p:nvPicPr>
+          <p:cNvPr id="4" name="Picture 3">
+            <a:extLst>
+              <a:ext uri="{FF2B5EF4-FFF2-40B4-BE49-F238E27FC236}">
+                <a16:creationId xmlns:a16="http://schemas.microsoft.com/office/drawing/2014/main" id="{A7E94BFB-922B-49AB-9B57-80D2D4FA7EB0}"/>
+              </a:ext>
+            </a:extLst>
+          </p:cNvPr>
+          <p:cNvPicPr>
+            <a:picLocks noChangeAspect="1"/>
+          </p:cNvPicPr>
+          <p:nvPr/>
+        </p:nvPicPr>
+        <p:blipFill>
+          <a:blip r:embed="rId3"/>
+          <a:stretch>
+            <a:fillRect/>
+          </a:stretch>
+        </p:blipFill>
+        <p:spPr>
+          <a:xfrm>
+            <a:off x="10784757" y="112764"/>
+            <a:ext cx="1290084" cy="1478498"/>
+          </a:xfrm>
+          <a:prstGeom prst="rect">
+            <a:avLst/>
+          </a:prstGeom>
+        </p:spPr>
+      </p:pic>
+    </p:spTree>
+    <p:extLst>
+      <p:ext uri="{BB962C8B-B14F-4D97-AF65-F5344CB8AC3E}">
+        <p14:creationId xmlns:p14="http://schemas.microsoft.com/office/powerpoint/2010/main" val="1546302804"/>
+      </p:ext>
+    </p:extLst>
+  </p:cSld>
+  <p:clrMapOvr>
+    <a:masterClrMapping/>
+  </p:clrMapOvr>
+</p:sld>
+</file>
+
+<file path=ppt/slides/slide48.xml><?xml version="1.0" encoding="utf-8"?>
+<p:sld xmlns:a="http://schemas.openxmlformats.org/drawingml/2006/main" xmlns:r="http://schemas.openxmlformats.org/officeDocument/2006/relationships" xmlns:p="http://schemas.openxmlformats.org/presentationml/2006/main">
+  <p:cSld>
     <p:bg>
       <p:bgPr>
         <a:blipFill dpi="0" rotWithShape="1">
@@ -22010,6 +22292,118 @@
     <p:extLst>
       <p:ext uri="{BB962C8B-B14F-4D97-AF65-F5344CB8AC3E}">
         <p14:creationId xmlns:p14="http://schemas.microsoft.com/office/powerpoint/2010/main" val="66882386"/>
+      </p:ext>
+    </p:extLst>
+  </p:cSld>
+  <p:clrMapOvr>
+    <a:masterClrMapping/>
+  </p:clrMapOvr>
+</p:sld>
+</file>
+
+<file path=ppt/slides/slide49.xml><?xml version="1.0" encoding="utf-8"?>
+<p:sld xmlns:a="http://schemas.openxmlformats.org/drawingml/2006/main" xmlns:r="http://schemas.openxmlformats.org/officeDocument/2006/relationships" xmlns:p="http://schemas.openxmlformats.org/presentationml/2006/main">
+  <p:cSld>
+    <p:spTree>
+      <p:nvGrpSpPr>
+        <p:cNvPr id="1" name=""/>
+        <p:cNvGrpSpPr/>
+        <p:nvPr/>
+      </p:nvGrpSpPr>
+      <p:grpSpPr>
+        <a:xfrm>
+          <a:off x="0" y="0"/>
+          <a:ext cx="0" cy="0"/>
+          <a:chOff x="0" y="0"/>
+          <a:chExt cx="0" cy="0"/>
+        </a:xfrm>
+      </p:grpSpPr>
+      <p:sp>
+        <p:nvSpPr>
+          <p:cNvPr id="2" name="Title 1">
+            <a:extLst>
+              <a:ext uri="{FF2B5EF4-FFF2-40B4-BE49-F238E27FC236}">
+                <a16:creationId xmlns:a16="http://schemas.microsoft.com/office/drawing/2014/main" id="{5C8E12A5-2D81-46E5-A3B2-DC150243A274}"/>
+              </a:ext>
+            </a:extLst>
+          </p:cNvPr>
+          <p:cNvSpPr>
+            <a:spLocks noGrp="1"/>
+          </p:cNvSpPr>
+          <p:nvPr>
+            <p:ph type="title"/>
+          </p:nvPr>
+        </p:nvSpPr>
+        <p:spPr/>
+        <p:txBody>
+          <a:bodyPr>
+            <a:normAutofit/>
+          </a:bodyPr>
+          <a:lstStyle/>
+          <a:p>
+            <a:r>
+              <a:rPr lang="en-US" sz="2000" u="sng"/>
+              <a:t>Źródła użytych grafik</a:t>
+            </a:r>
+            <a:endParaRPr lang="pl-PL" sz="2000" u="sng"/>
+          </a:p>
+        </p:txBody>
+      </p:sp>
+      <p:sp>
+        <p:nvSpPr>
+          <p:cNvPr id="3" name="Content Placeholder 2">
+            <a:extLst>
+              <a:ext uri="{FF2B5EF4-FFF2-40B4-BE49-F238E27FC236}">
+                <a16:creationId xmlns:a16="http://schemas.microsoft.com/office/drawing/2014/main" id="{4E32C2B8-8FC0-4829-8232-D6135BFF7FA0}"/>
+              </a:ext>
+            </a:extLst>
+          </p:cNvPr>
+          <p:cNvSpPr>
+            <a:spLocks noGrp="1"/>
+          </p:cNvSpPr>
+          <p:nvPr>
+            <p:ph idx="1"/>
+          </p:nvPr>
+        </p:nvSpPr>
+        <p:spPr>
+          <a:xfrm>
+            <a:off x="838200" y="1345334"/>
+            <a:ext cx="10515600" cy="4351338"/>
+          </a:xfrm>
+        </p:spPr>
+        <p:txBody>
+          <a:bodyPr/>
+          <a:lstStyle/>
+          <a:p>
+            <a:pPr marL="0" indent="0">
+              <a:buNone/>
+            </a:pPr>
+            <a:r>
+              <a:rPr lang="pl-PL" sz="1100"/>
+              <a:t>https://media.newyorker.com/photos/5ae2197ab231f616c3248add/master/w_2560%2Cc_limit/180507_r31991web.jpg</a:t>
+            </a:r>
+          </a:p>
+          <a:p>
+            <a:pPr marL="0" indent="0">
+              <a:buNone/>
+            </a:pPr>
+            <a:endParaRPr lang="en-US" sz="1100"/>
+          </a:p>
+          <a:p>
+            <a:pPr marL="0" indent="0">
+              <a:buNone/>
+            </a:pPr>
+            <a:endParaRPr lang="pl-PL" sz="1100"/>
+          </a:p>
+          <a:p>
+            <a:endParaRPr lang="pl-PL"/>
+          </a:p>
+        </p:txBody>
+      </p:sp>
+    </p:spTree>
+    <p:extLst>
+      <p:ext uri="{BB962C8B-B14F-4D97-AF65-F5344CB8AC3E}">
+        <p14:creationId xmlns:p14="http://schemas.microsoft.com/office/powerpoint/2010/main" val="3474022136"/>
       </p:ext>
     </p:extLst>
   </p:cSld>

--- a/6_Reagowanie_na_incydenty.pptx
+++ b/6_Reagowanie_na_incydenty.pptx
@@ -109,19 +109,16 @@
             <a:noAutofit/>
           </a:bodyPr>
           <a:p>
-            <a:r>
-              <a:rPr b="0" lang="en-US" sz="1800" spc="-1" strike="noStrike">
-                <a:solidFill>
-                  <a:srgbClr val="000000"/>
-                </a:solidFill>
+            <a:pPr algn="ctr">
+              <a:buNone/>
+            </a:pPr>
+            <a:r>
+              <a:rPr b="0" lang="en-US" sz="4400" spc="-1" strike="noStrike">
                 <a:latin typeface="Arial"/>
               </a:rPr>
               <a:t>Click to move the slide</a:t>
             </a:r>
-            <a:endParaRPr b="0" lang="en-US" sz="1800" spc="-1" strike="noStrike">
-              <a:solidFill>
-                <a:srgbClr val="000000"/>
-              </a:solidFill>
+            <a:endParaRPr b="0" lang="en-US" sz="4400" spc="-1" strike="noStrike">
               <a:latin typeface="Arial"/>
             </a:endParaRPr>
           </a:p>
@@ -344,7 +341,7 @@
             <a:pPr algn="r">
               <a:buNone/>
             </a:pPr>
-            <a:fld id="{783290DB-6F1D-4720-B8BE-55CB2CBE6BBA}" type="slidenum">
+            <a:fld id="{E051A7D7-524D-4060-8A0D-E57A3F523390}" type="slidenum">
               <a:rPr b="0" lang="en-US" sz="1400" spc="-1" strike="noStrike">
                 <a:latin typeface="Times New Roman"/>
               </a:rPr>
@@ -392,7 +389,7 @@
         <p:spPr>
           <a:xfrm>
             <a:off x="685800" y="1143000"/>
-            <a:ext cx="5486040" cy="3085920"/>
+            <a:ext cx="5485680" cy="3085560"/>
           </a:xfrm>
           <a:prstGeom prst="rect">
             <a:avLst/>
@@ -415,7 +412,7 @@
         <p:spPr>
           <a:xfrm>
             <a:off x="685800" y="4400640"/>
-            <a:ext cx="5485680" cy="3599640"/>
+            <a:ext cx="5485320" cy="3599280"/>
           </a:xfrm>
           <a:prstGeom prst="rect">
             <a:avLst/>
@@ -449,7 +446,7 @@
         <p:spPr>
           <a:xfrm>
             <a:off x="3884760" y="8685360"/>
-            <a:ext cx="2971080" cy="457920"/>
+            <a:ext cx="2970720" cy="457560"/>
           </a:xfrm>
           <a:prstGeom prst="rect">
             <a:avLst/>
@@ -485,7 +482,7 @@
               </a:lnSpc>
               <a:buNone/>
             </a:pPr>
-            <a:fld id="{9C943BCF-863A-40B0-8F55-E5624B9DDFE9}" type="slidenum">
+            <a:fld id="{DE6F6D42-272E-49E9-9DED-E68655FD2DF8}" type="slidenum">
               <a:rPr b="0" lang="en-US" sz="1200" spc="-1" strike="noStrike">
                 <a:solidFill>
                   <a:srgbClr val="000000"/>
@@ -536,7 +533,7 @@
         <p:spPr>
           <a:xfrm>
             <a:off x="685800" y="1143000"/>
-            <a:ext cx="5485680" cy="3085560"/>
+            <a:ext cx="5485320" cy="3085200"/>
           </a:xfrm>
           <a:prstGeom prst="rect">
             <a:avLst/>
@@ -559,7 +556,7 @@
         <p:spPr>
           <a:xfrm>
             <a:off x="685800" y="4400640"/>
-            <a:ext cx="5485680" cy="3599640"/>
+            <a:ext cx="5485320" cy="3599280"/>
           </a:xfrm>
           <a:prstGeom prst="rect">
             <a:avLst/>
@@ -593,7 +590,7 @@
         <p:spPr>
           <a:xfrm>
             <a:off x="3884760" y="8685360"/>
-            <a:ext cx="2971080" cy="457920"/>
+            <a:ext cx="2970720" cy="457560"/>
           </a:xfrm>
           <a:prstGeom prst="rect">
             <a:avLst/>
@@ -629,7 +626,7 @@
               </a:lnSpc>
               <a:buNone/>
             </a:pPr>
-            <a:fld id="{63160AA8-0AA0-4CC4-89A0-C5BA5BAC6793}" type="slidenum">
+            <a:fld id="{8F8EC7AB-6BB5-49A6-B856-A15DA8BED470}" type="slidenum">
               <a:rPr b="0" lang="en-US" sz="1200" spc="-1" strike="noStrike">
                 <a:solidFill>
                   <a:srgbClr val="000000"/>
@@ -680,7 +677,7 @@
         <p:spPr>
           <a:xfrm>
             <a:off x="685800" y="1143000"/>
-            <a:ext cx="5486040" cy="3085920"/>
+            <a:ext cx="5485680" cy="3085560"/>
           </a:xfrm>
           <a:prstGeom prst="rect">
             <a:avLst/>
@@ -703,7 +700,7 @@
         <p:spPr>
           <a:xfrm>
             <a:off x="685800" y="4400640"/>
-            <a:ext cx="5485680" cy="3599640"/>
+            <a:ext cx="5485320" cy="3599280"/>
           </a:xfrm>
           <a:prstGeom prst="rect">
             <a:avLst/>
@@ -737,7 +734,7 @@
         <p:spPr>
           <a:xfrm>
             <a:off x="3884760" y="8685360"/>
-            <a:ext cx="2971080" cy="457920"/>
+            <a:ext cx="2970720" cy="457560"/>
           </a:xfrm>
           <a:prstGeom prst="rect">
             <a:avLst/>
@@ -773,7 +770,7 @@
               </a:lnSpc>
               <a:buNone/>
             </a:pPr>
-            <a:fld id="{FE9EBCF0-ABEC-4478-912E-D1BDFCE339DE}" type="slidenum">
+            <a:fld id="{81B6A2FE-2255-46D8-8C3D-268D9B4C16E9}" type="slidenum">
               <a:rPr b="0" lang="en-US" sz="1200" spc="-1" strike="noStrike">
                 <a:solidFill>
                   <a:srgbClr val="000000"/>
@@ -824,7 +821,7 @@
         <p:spPr>
           <a:xfrm>
             <a:off x="685800" y="1143000"/>
-            <a:ext cx="5486040" cy="3085920"/>
+            <a:ext cx="5485680" cy="3085560"/>
           </a:xfrm>
           <a:prstGeom prst="rect">
             <a:avLst/>
@@ -847,7 +844,7 @@
         <p:spPr>
           <a:xfrm>
             <a:off x="685800" y="4400640"/>
-            <a:ext cx="5485680" cy="3599640"/>
+            <a:ext cx="5485320" cy="3599280"/>
           </a:xfrm>
           <a:prstGeom prst="rect">
             <a:avLst/>
@@ -881,7 +878,7 @@
         <p:spPr>
           <a:xfrm>
             <a:off x="3884760" y="8685360"/>
-            <a:ext cx="2971080" cy="457920"/>
+            <a:ext cx="2970720" cy="457560"/>
           </a:xfrm>
           <a:prstGeom prst="rect">
             <a:avLst/>
@@ -917,7 +914,7 @@
               </a:lnSpc>
               <a:buNone/>
             </a:pPr>
-            <a:fld id="{50C7AAE2-5A9F-4D15-8534-CAEF1016BA98}" type="slidenum">
+            <a:fld id="{08F5A345-6066-43A3-9B5C-BB163C21AB78}" type="slidenum">
               <a:rPr b="0" lang="en-US" sz="1200" spc="-1" strike="noStrike">
                 <a:solidFill>
                   <a:srgbClr val="000000"/>
@@ -989,7 +986,7 @@
         <p:txBody>
           <a:bodyPr/>
           <a:p>
-            <a:fld id="{8C462365-AD3F-4B1D-85AE-AACC641EBEC9}" type="slidenum">
+            <a:fld id="{236A74E1-BCEA-4E1F-8083-221257C8C72D}" type="slidenum">
               <a:t>&lt;#&gt;</a:t>
             </a:fld>
           </a:p>
@@ -1066,10 +1063,10 @@
             <a:noAutofit/>
           </a:bodyPr>
           <a:p>
-            <a:endParaRPr b="0" lang="en-US" sz="1800" spc="-1" strike="noStrike">
-              <a:solidFill>
-                <a:srgbClr val="000000"/>
-              </a:solidFill>
+            <a:pPr algn="ctr">
+              <a:buNone/>
+            </a:pPr>
+            <a:endParaRPr b="0" lang="en-US" sz="4400" spc="-1" strike="noStrike">
               <a:latin typeface="Arial"/>
             </a:endParaRPr>
           </a:p>
@@ -1103,19 +1100,7 @@
             <a:normAutofit/>
           </a:bodyPr>
           <a:p>
-            <a:pPr>
-              <a:lnSpc>
-                <a:spcPct val="90000"/>
-              </a:lnSpc>
-              <a:spcBef>
-                <a:spcPts val="1417"/>
-              </a:spcBef>
-              <a:buNone/>
-            </a:pPr>
-            <a:endParaRPr b="0" lang="en-US" sz="2800" spc="-1" strike="noStrike">
-              <a:solidFill>
-                <a:srgbClr val="000000"/>
-              </a:solidFill>
+            <a:endParaRPr b="0" lang="en-US" sz="3200" spc="-1" strike="noStrike">
               <a:latin typeface="Arial"/>
             </a:endParaRPr>
           </a:p>
@@ -1149,19 +1134,7 @@
             <a:normAutofit/>
           </a:bodyPr>
           <a:p>
-            <a:pPr>
-              <a:lnSpc>
-                <a:spcPct val="90000"/>
-              </a:lnSpc>
-              <a:spcBef>
-                <a:spcPts val="1417"/>
-              </a:spcBef>
-              <a:buNone/>
-            </a:pPr>
-            <a:endParaRPr b="0" lang="en-US" sz="2800" spc="-1" strike="noStrike">
-              <a:solidFill>
-                <a:srgbClr val="000000"/>
-              </a:solidFill>
+            <a:endParaRPr b="0" lang="en-US" sz="3200" spc="-1" strike="noStrike">
               <a:latin typeface="Arial"/>
             </a:endParaRPr>
           </a:p>
@@ -1201,7 +1174,7 @@
         <p:txBody>
           <a:bodyPr/>
           <a:p>
-            <a:fld id="{FFDDDF71-488D-4869-B632-092940EDDD93}" type="slidenum">
+            <a:fld id="{9FF022F1-6757-48D2-B278-CF5B83823AA5}" type="slidenum">
               <a:t>&lt;#&gt;</a:t>
             </a:fld>
           </a:p>
@@ -1278,10 +1251,10 @@
             <a:noAutofit/>
           </a:bodyPr>
           <a:p>
-            <a:endParaRPr b="0" lang="en-US" sz="1800" spc="-1" strike="noStrike">
-              <a:solidFill>
-                <a:srgbClr val="000000"/>
-              </a:solidFill>
+            <a:pPr algn="ctr">
+              <a:buNone/>
+            </a:pPr>
+            <a:endParaRPr b="0" lang="en-US" sz="4400" spc="-1" strike="noStrike">
               <a:latin typeface="Arial"/>
             </a:endParaRPr>
           </a:p>
@@ -1315,19 +1288,7 @@
             <a:normAutofit/>
           </a:bodyPr>
           <a:p>
-            <a:pPr>
-              <a:lnSpc>
-                <a:spcPct val="90000"/>
-              </a:lnSpc>
-              <a:spcBef>
-                <a:spcPts val="1417"/>
-              </a:spcBef>
-              <a:buNone/>
-            </a:pPr>
-            <a:endParaRPr b="0" lang="en-US" sz="2800" spc="-1" strike="noStrike">
-              <a:solidFill>
-                <a:srgbClr val="000000"/>
-              </a:solidFill>
+            <a:endParaRPr b="0" lang="en-US" sz="3200" spc="-1" strike="noStrike">
               <a:latin typeface="Arial"/>
             </a:endParaRPr>
           </a:p>
@@ -1361,19 +1322,7 @@
             <a:normAutofit/>
           </a:bodyPr>
           <a:p>
-            <a:pPr>
-              <a:lnSpc>
-                <a:spcPct val="90000"/>
-              </a:lnSpc>
-              <a:spcBef>
-                <a:spcPts val="1417"/>
-              </a:spcBef>
-              <a:buNone/>
-            </a:pPr>
-            <a:endParaRPr b="0" lang="en-US" sz="2800" spc="-1" strike="noStrike">
-              <a:solidFill>
-                <a:srgbClr val="000000"/>
-              </a:solidFill>
+            <a:endParaRPr b="0" lang="en-US" sz="3200" spc="-1" strike="noStrike">
               <a:latin typeface="Arial"/>
             </a:endParaRPr>
           </a:p>
@@ -1407,19 +1356,7 @@
             <a:normAutofit/>
           </a:bodyPr>
           <a:p>
-            <a:pPr>
-              <a:lnSpc>
-                <a:spcPct val="90000"/>
-              </a:lnSpc>
-              <a:spcBef>
-                <a:spcPts val="1417"/>
-              </a:spcBef>
-              <a:buNone/>
-            </a:pPr>
-            <a:endParaRPr b="0" lang="en-US" sz="2800" spc="-1" strike="noStrike">
-              <a:solidFill>
-                <a:srgbClr val="000000"/>
-              </a:solidFill>
+            <a:endParaRPr b="0" lang="en-US" sz="3200" spc="-1" strike="noStrike">
               <a:latin typeface="Arial"/>
             </a:endParaRPr>
           </a:p>
@@ -1453,19 +1390,7 @@
             <a:normAutofit/>
           </a:bodyPr>
           <a:p>
-            <a:pPr>
-              <a:lnSpc>
-                <a:spcPct val="90000"/>
-              </a:lnSpc>
-              <a:spcBef>
-                <a:spcPts val="1417"/>
-              </a:spcBef>
-              <a:buNone/>
-            </a:pPr>
-            <a:endParaRPr b="0" lang="en-US" sz="2800" spc="-1" strike="noStrike">
-              <a:solidFill>
-                <a:srgbClr val="000000"/>
-              </a:solidFill>
+            <a:endParaRPr b="0" lang="en-US" sz="3200" spc="-1" strike="noStrike">
               <a:latin typeface="Arial"/>
             </a:endParaRPr>
           </a:p>
@@ -1505,7 +1430,7 @@
         <p:txBody>
           <a:bodyPr/>
           <a:p>
-            <a:fld id="{B13ABADA-3B66-4B74-835F-DAA61D0DF1DF}" type="slidenum">
+            <a:fld id="{A279F3F5-284D-4C19-91E9-45D0C43880E6}" type="slidenum">
               <a:t>&lt;#&gt;</a:t>
             </a:fld>
           </a:p>
@@ -1582,10 +1507,10 @@
             <a:noAutofit/>
           </a:bodyPr>
           <a:p>
-            <a:endParaRPr b="0" lang="en-US" sz="1800" spc="-1" strike="noStrike">
-              <a:solidFill>
-                <a:srgbClr val="000000"/>
-              </a:solidFill>
+            <a:pPr algn="ctr">
+              <a:buNone/>
+            </a:pPr>
+            <a:endParaRPr b="0" lang="en-US" sz="4400" spc="-1" strike="noStrike">
               <a:latin typeface="Arial"/>
             </a:endParaRPr>
           </a:p>
@@ -1619,19 +1544,7 @@
             <a:normAutofit/>
           </a:bodyPr>
           <a:p>
-            <a:pPr>
-              <a:lnSpc>
-                <a:spcPct val="90000"/>
-              </a:lnSpc>
-              <a:spcBef>
-                <a:spcPts val="1417"/>
-              </a:spcBef>
-              <a:buNone/>
-            </a:pPr>
-            <a:endParaRPr b="0" lang="en-US" sz="2800" spc="-1" strike="noStrike">
-              <a:solidFill>
-                <a:srgbClr val="000000"/>
-              </a:solidFill>
+            <a:endParaRPr b="0" lang="en-US" sz="3200" spc="-1" strike="noStrike">
               <a:latin typeface="Arial"/>
             </a:endParaRPr>
           </a:p>
@@ -1665,19 +1578,7 @@
             <a:normAutofit/>
           </a:bodyPr>
           <a:p>
-            <a:pPr>
-              <a:lnSpc>
-                <a:spcPct val="90000"/>
-              </a:lnSpc>
-              <a:spcBef>
-                <a:spcPts val="1417"/>
-              </a:spcBef>
-              <a:buNone/>
-            </a:pPr>
-            <a:endParaRPr b="0" lang="en-US" sz="2800" spc="-1" strike="noStrike">
-              <a:solidFill>
-                <a:srgbClr val="000000"/>
-              </a:solidFill>
+            <a:endParaRPr b="0" lang="en-US" sz="3200" spc="-1" strike="noStrike">
               <a:latin typeface="Arial"/>
             </a:endParaRPr>
           </a:p>
@@ -1711,19 +1612,7 @@
             <a:normAutofit/>
           </a:bodyPr>
           <a:p>
-            <a:pPr>
-              <a:lnSpc>
-                <a:spcPct val="90000"/>
-              </a:lnSpc>
-              <a:spcBef>
-                <a:spcPts val="1417"/>
-              </a:spcBef>
-              <a:buNone/>
-            </a:pPr>
-            <a:endParaRPr b="0" lang="en-US" sz="2800" spc="-1" strike="noStrike">
-              <a:solidFill>
-                <a:srgbClr val="000000"/>
-              </a:solidFill>
+            <a:endParaRPr b="0" lang="en-US" sz="3200" spc="-1" strike="noStrike">
               <a:latin typeface="Arial"/>
             </a:endParaRPr>
           </a:p>
@@ -1757,19 +1646,7 @@
             <a:normAutofit/>
           </a:bodyPr>
           <a:p>
-            <a:pPr>
-              <a:lnSpc>
-                <a:spcPct val="90000"/>
-              </a:lnSpc>
-              <a:spcBef>
-                <a:spcPts val="1417"/>
-              </a:spcBef>
-              <a:buNone/>
-            </a:pPr>
-            <a:endParaRPr b="0" lang="en-US" sz="2800" spc="-1" strike="noStrike">
-              <a:solidFill>
-                <a:srgbClr val="000000"/>
-              </a:solidFill>
+            <a:endParaRPr b="0" lang="en-US" sz="3200" spc="-1" strike="noStrike">
               <a:latin typeface="Arial"/>
             </a:endParaRPr>
           </a:p>
@@ -1803,19 +1680,7 @@
             <a:normAutofit/>
           </a:bodyPr>
           <a:p>
-            <a:pPr>
-              <a:lnSpc>
-                <a:spcPct val="90000"/>
-              </a:lnSpc>
-              <a:spcBef>
-                <a:spcPts val="1417"/>
-              </a:spcBef>
-              <a:buNone/>
-            </a:pPr>
-            <a:endParaRPr b="0" lang="en-US" sz="2800" spc="-1" strike="noStrike">
-              <a:solidFill>
-                <a:srgbClr val="000000"/>
-              </a:solidFill>
+            <a:endParaRPr b="0" lang="en-US" sz="3200" spc="-1" strike="noStrike">
               <a:latin typeface="Arial"/>
             </a:endParaRPr>
           </a:p>
@@ -1849,19 +1714,7 @@
             <a:normAutofit/>
           </a:bodyPr>
           <a:p>
-            <a:pPr>
-              <a:lnSpc>
-                <a:spcPct val="90000"/>
-              </a:lnSpc>
-              <a:spcBef>
-                <a:spcPts val="1417"/>
-              </a:spcBef>
-              <a:buNone/>
-            </a:pPr>
-            <a:endParaRPr b="0" lang="en-US" sz="2800" spc="-1" strike="noStrike">
-              <a:solidFill>
-                <a:srgbClr val="000000"/>
-              </a:solidFill>
+            <a:endParaRPr b="0" lang="en-US" sz="3200" spc="-1" strike="noStrike">
               <a:latin typeface="Arial"/>
             </a:endParaRPr>
           </a:p>
@@ -1901,7 +1754,7 @@
         <p:txBody>
           <a:bodyPr/>
           <a:p>
-            <a:fld id="{34516F0D-B0A4-4F5A-95E8-26EC247D91F0}" type="slidenum">
+            <a:fld id="{6ABFF307-572E-43EA-A127-760B84136631}" type="slidenum">
               <a:t>&lt;#&gt;</a:t>
             </a:fld>
           </a:p>
@@ -1978,10 +1831,10 @@
             <a:noAutofit/>
           </a:bodyPr>
           <a:p>
-            <a:endParaRPr b="0" lang="en-US" sz="1800" spc="-1" strike="noStrike">
-              <a:solidFill>
-                <a:srgbClr val="000000"/>
-              </a:solidFill>
+            <a:pPr algn="ctr">
+              <a:buNone/>
+            </a:pPr>
+            <a:endParaRPr b="0" lang="en-US" sz="4400" spc="-1" strike="noStrike">
               <a:latin typeface="Arial"/>
             </a:endParaRPr>
           </a:p>
@@ -2058,7 +1911,7 @@
         <p:txBody>
           <a:bodyPr/>
           <a:p>
-            <a:fld id="{E48E0E9D-1E2E-44C1-A17F-ADEF56326EE1}" type="slidenum">
+            <a:fld id="{04918714-59D3-474B-A972-42EF44483B22}" type="slidenum">
               <a:t>&lt;#&gt;</a:t>
             </a:fld>
           </a:p>
@@ -2135,10 +1988,10 @@
             <a:noAutofit/>
           </a:bodyPr>
           <a:p>
-            <a:endParaRPr b="0" lang="en-US" sz="1800" spc="-1" strike="noStrike">
-              <a:solidFill>
-                <a:srgbClr val="000000"/>
-              </a:solidFill>
+            <a:pPr algn="ctr">
+              <a:buNone/>
+            </a:pPr>
+            <a:endParaRPr b="0" lang="en-US" sz="4400" spc="-1" strike="noStrike">
               <a:latin typeface="Arial"/>
             </a:endParaRPr>
           </a:p>
@@ -2172,19 +2025,7 @@
             <a:normAutofit/>
           </a:bodyPr>
           <a:p>
-            <a:pPr>
-              <a:lnSpc>
-                <a:spcPct val="90000"/>
-              </a:lnSpc>
-              <a:spcBef>
-                <a:spcPts val="1417"/>
-              </a:spcBef>
-              <a:buNone/>
-            </a:pPr>
-            <a:endParaRPr b="0" lang="en-US" sz="2800" spc="-1" strike="noStrike">
-              <a:solidFill>
-                <a:srgbClr val="000000"/>
-              </a:solidFill>
+            <a:endParaRPr b="0" lang="en-US" sz="3200" spc="-1" strike="noStrike">
               <a:latin typeface="Arial"/>
             </a:endParaRPr>
           </a:p>
@@ -2224,7 +2065,7 @@
         <p:txBody>
           <a:bodyPr/>
           <a:p>
-            <a:fld id="{962D63E3-1ECD-49B1-B82E-09F005EA7E07}" type="slidenum">
+            <a:fld id="{BC19BBE1-85ED-4745-8D10-B0653C3079D7}" type="slidenum">
               <a:t>&lt;#&gt;</a:t>
             </a:fld>
           </a:p>
@@ -2301,10 +2142,10 @@
             <a:noAutofit/>
           </a:bodyPr>
           <a:p>
-            <a:endParaRPr b="0" lang="en-US" sz="1800" spc="-1" strike="noStrike">
-              <a:solidFill>
-                <a:srgbClr val="000000"/>
-              </a:solidFill>
+            <a:pPr algn="ctr">
+              <a:buNone/>
+            </a:pPr>
+            <a:endParaRPr b="0" lang="en-US" sz="4400" spc="-1" strike="noStrike">
               <a:latin typeface="Arial"/>
             </a:endParaRPr>
           </a:p>
@@ -2338,19 +2179,7 @@
             <a:normAutofit/>
           </a:bodyPr>
           <a:p>
-            <a:pPr>
-              <a:lnSpc>
-                <a:spcPct val="90000"/>
-              </a:lnSpc>
-              <a:spcBef>
-                <a:spcPts val="1417"/>
-              </a:spcBef>
-              <a:buNone/>
-            </a:pPr>
-            <a:endParaRPr b="0" lang="en-US" sz="2800" spc="-1" strike="noStrike">
-              <a:solidFill>
-                <a:srgbClr val="000000"/>
-              </a:solidFill>
+            <a:endParaRPr b="0" lang="en-US" sz="3200" spc="-1" strike="noStrike">
               <a:latin typeface="Arial"/>
             </a:endParaRPr>
           </a:p>
@@ -2384,19 +2213,7 @@
             <a:normAutofit/>
           </a:bodyPr>
           <a:p>
-            <a:pPr>
-              <a:lnSpc>
-                <a:spcPct val="90000"/>
-              </a:lnSpc>
-              <a:spcBef>
-                <a:spcPts val="1417"/>
-              </a:spcBef>
-              <a:buNone/>
-            </a:pPr>
-            <a:endParaRPr b="0" lang="en-US" sz="2800" spc="-1" strike="noStrike">
-              <a:solidFill>
-                <a:srgbClr val="000000"/>
-              </a:solidFill>
+            <a:endParaRPr b="0" lang="en-US" sz="3200" spc="-1" strike="noStrike">
               <a:latin typeface="Arial"/>
             </a:endParaRPr>
           </a:p>
@@ -2436,7 +2253,7 @@
         <p:txBody>
           <a:bodyPr/>
           <a:p>
-            <a:fld id="{600F6D9D-CF10-47F2-98C5-CB75F9329318}" type="slidenum">
+            <a:fld id="{F94BB595-031D-40AD-AED7-1CEF6C0C8E90}" type="slidenum">
               <a:t>&lt;#&gt;</a:t>
             </a:fld>
           </a:p>
@@ -2513,10 +2330,10 @@
             <a:noAutofit/>
           </a:bodyPr>
           <a:p>
-            <a:endParaRPr b="0" lang="en-US" sz="1800" spc="-1" strike="noStrike">
-              <a:solidFill>
-                <a:srgbClr val="000000"/>
-              </a:solidFill>
+            <a:pPr algn="ctr">
+              <a:buNone/>
+            </a:pPr>
+            <a:endParaRPr b="0" lang="en-US" sz="4400" spc="-1" strike="noStrike">
               <a:latin typeface="Arial"/>
             </a:endParaRPr>
           </a:p>
@@ -2556,7 +2373,7 @@
         <p:txBody>
           <a:bodyPr/>
           <a:p>
-            <a:fld id="{01A5309A-A3FB-4D26-88C6-C8A8F17BE704}" type="slidenum">
+            <a:fld id="{BBF86571-9A48-4D29-B005-62FA55012FD2}" type="slidenum">
               <a:t>&lt;#&gt;</a:t>
             </a:fld>
           </a:p>
@@ -2676,7 +2493,7 @@
         <p:txBody>
           <a:bodyPr/>
           <a:p>
-            <a:fld id="{7A09D9A7-F6F8-4D3B-9062-33FD6B5E50B9}" type="slidenum">
+            <a:fld id="{C4A62627-73E7-4211-935B-010F531D1D39}" type="slidenum">
               <a:t>&lt;#&gt;</a:t>
             </a:fld>
           </a:p>
@@ -2753,10 +2570,10 @@
             <a:noAutofit/>
           </a:bodyPr>
           <a:p>
-            <a:endParaRPr b="0" lang="en-US" sz="1800" spc="-1" strike="noStrike">
-              <a:solidFill>
-                <a:srgbClr val="000000"/>
-              </a:solidFill>
+            <a:pPr algn="ctr">
+              <a:buNone/>
+            </a:pPr>
+            <a:endParaRPr b="0" lang="en-US" sz="4400" spc="-1" strike="noStrike">
               <a:latin typeface="Arial"/>
             </a:endParaRPr>
           </a:p>
@@ -2790,19 +2607,7 @@
             <a:normAutofit/>
           </a:bodyPr>
           <a:p>
-            <a:pPr>
-              <a:lnSpc>
-                <a:spcPct val="90000"/>
-              </a:lnSpc>
-              <a:spcBef>
-                <a:spcPts val="1417"/>
-              </a:spcBef>
-              <a:buNone/>
-            </a:pPr>
-            <a:endParaRPr b="0" lang="en-US" sz="2800" spc="-1" strike="noStrike">
-              <a:solidFill>
-                <a:srgbClr val="000000"/>
-              </a:solidFill>
+            <a:endParaRPr b="0" lang="en-US" sz="3200" spc="-1" strike="noStrike">
               <a:latin typeface="Arial"/>
             </a:endParaRPr>
           </a:p>
@@ -2836,19 +2641,7 @@
             <a:normAutofit/>
           </a:bodyPr>
           <a:p>
-            <a:pPr>
-              <a:lnSpc>
-                <a:spcPct val="90000"/>
-              </a:lnSpc>
-              <a:spcBef>
-                <a:spcPts val="1417"/>
-              </a:spcBef>
-              <a:buNone/>
-            </a:pPr>
-            <a:endParaRPr b="0" lang="en-US" sz="2800" spc="-1" strike="noStrike">
-              <a:solidFill>
-                <a:srgbClr val="000000"/>
-              </a:solidFill>
+            <a:endParaRPr b="0" lang="en-US" sz="3200" spc="-1" strike="noStrike">
               <a:latin typeface="Arial"/>
             </a:endParaRPr>
           </a:p>
@@ -2882,19 +2675,7 @@
             <a:normAutofit/>
           </a:bodyPr>
           <a:p>
-            <a:pPr>
-              <a:lnSpc>
-                <a:spcPct val="90000"/>
-              </a:lnSpc>
-              <a:spcBef>
-                <a:spcPts val="1417"/>
-              </a:spcBef>
-              <a:buNone/>
-            </a:pPr>
-            <a:endParaRPr b="0" lang="en-US" sz="2800" spc="-1" strike="noStrike">
-              <a:solidFill>
-                <a:srgbClr val="000000"/>
-              </a:solidFill>
+            <a:endParaRPr b="0" lang="en-US" sz="3200" spc="-1" strike="noStrike">
               <a:latin typeface="Arial"/>
             </a:endParaRPr>
           </a:p>
@@ -2934,7 +2715,7 @@
         <p:txBody>
           <a:bodyPr/>
           <a:p>
-            <a:fld id="{8C442D83-4A8C-496D-AB04-0B16CC19AC66}" type="slidenum">
+            <a:fld id="{0526D652-22FE-43FD-B909-591E15E955D5}" type="slidenum">
               <a:t>&lt;#&gt;</a:t>
             </a:fld>
           </a:p>
@@ -3011,10 +2792,10 @@
             <a:noAutofit/>
           </a:bodyPr>
           <a:p>
-            <a:endParaRPr b="0" lang="en-US" sz="1800" spc="-1" strike="noStrike">
-              <a:solidFill>
-                <a:srgbClr val="000000"/>
-              </a:solidFill>
+            <a:pPr algn="ctr">
+              <a:buNone/>
+            </a:pPr>
+            <a:endParaRPr b="0" lang="en-US" sz="4400" spc="-1" strike="noStrike">
               <a:latin typeface="Arial"/>
             </a:endParaRPr>
           </a:p>
@@ -3048,19 +2829,7 @@
             <a:normAutofit/>
           </a:bodyPr>
           <a:p>
-            <a:pPr>
-              <a:lnSpc>
-                <a:spcPct val="90000"/>
-              </a:lnSpc>
-              <a:spcBef>
-                <a:spcPts val="1417"/>
-              </a:spcBef>
-              <a:buNone/>
-            </a:pPr>
-            <a:endParaRPr b="0" lang="en-US" sz="2800" spc="-1" strike="noStrike">
-              <a:solidFill>
-                <a:srgbClr val="000000"/>
-              </a:solidFill>
+            <a:endParaRPr b="0" lang="en-US" sz="3200" spc="-1" strike="noStrike">
               <a:latin typeface="Arial"/>
             </a:endParaRPr>
           </a:p>
@@ -3094,19 +2863,7 @@
             <a:normAutofit/>
           </a:bodyPr>
           <a:p>
-            <a:pPr>
-              <a:lnSpc>
-                <a:spcPct val="90000"/>
-              </a:lnSpc>
-              <a:spcBef>
-                <a:spcPts val="1417"/>
-              </a:spcBef>
-              <a:buNone/>
-            </a:pPr>
-            <a:endParaRPr b="0" lang="en-US" sz="2800" spc="-1" strike="noStrike">
-              <a:solidFill>
-                <a:srgbClr val="000000"/>
-              </a:solidFill>
+            <a:endParaRPr b="0" lang="en-US" sz="3200" spc="-1" strike="noStrike">
               <a:latin typeface="Arial"/>
             </a:endParaRPr>
           </a:p>
@@ -3140,19 +2897,7 @@
             <a:normAutofit/>
           </a:bodyPr>
           <a:p>
-            <a:pPr>
-              <a:lnSpc>
-                <a:spcPct val="90000"/>
-              </a:lnSpc>
-              <a:spcBef>
-                <a:spcPts val="1417"/>
-              </a:spcBef>
-              <a:buNone/>
-            </a:pPr>
-            <a:endParaRPr b="0" lang="en-US" sz="2800" spc="-1" strike="noStrike">
-              <a:solidFill>
-                <a:srgbClr val="000000"/>
-              </a:solidFill>
+            <a:endParaRPr b="0" lang="en-US" sz="3200" spc="-1" strike="noStrike">
               <a:latin typeface="Arial"/>
             </a:endParaRPr>
           </a:p>
@@ -3192,7 +2937,7 @@
         <p:txBody>
           <a:bodyPr/>
           <a:p>
-            <a:fld id="{0DD8377D-9BAB-4D0F-B7FC-ADD2F9DD7346}" type="slidenum">
+            <a:fld id="{2EB0215C-0715-415B-ADA1-75BD267C0A88}" type="slidenum">
               <a:t>&lt;#&gt;</a:t>
             </a:fld>
           </a:p>
@@ -3269,10 +3014,10 @@
             <a:noAutofit/>
           </a:bodyPr>
           <a:p>
-            <a:endParaRPr b="0" lang="en-US" sz="1800" spc="-1" strike="noStrike">
-              <a:solidFill>
-                <a:srgbClr val="000000"/>
-              </a:solidFill>
+            <a:pPr algn="ctr">
+              <a:buNone/>
+            </a:pPr>
+            <a:endParaRPr b="0" lang="en-US" sz="4400" spc="-1" strike="noStrike">
               <a:latin typeface="Arial"/>
             </a:endParaRPr>
           </a:p>
@@ -3306,19 +3051,7 @@
             <a:normAutofit/>
           </a:bodyPr>
           <a:p>
-            <a:pPr>
-              <a:lnSpc>
-                <a:spcPct val="90000"/>
-              </a:lnSpc>
-              <a:spcBef>
-                <a:spcPts val="1417"/>
-              </a:spcBef>
-              <a:buNone/>
-            </a:pPr>
-            <a:endParaRPr b="0" lang="en-US" sz="2800" spc="-1" strike="noStrike">
-              <a:solidFill>
-                <a:srgbClr val="000000"/>
-              </a:solidFill>
+            <a:endParaRPr b="0" lang="en-US" sz="3200" spc="-1" strike="noStrike">
               <a:latin typeface="Arial"/>
             </a:endParaRPr>
           </a:p>
@@ -3352,19 +3085,7 @@
             <a:normAutofit/>
           </a:bodyPr>
           <a:p>
-            <a:pPr>
-              <a:lnSpc>
-                <a:spcPct val="90000"/>
-              </a:lnSpc>
-              <a:spcBef>
-                <a:spcPts val="1417"/>
-              </a:spcBef>
-              <a:buNone/>
-            </a:pPr>
-            <a:endParaRPr b="0" lang="en-US" sz="2800" spc="-1" strike="noStrike">
-              <a:solidFill>
-                <a:srgbClr val="000000"/>
-              </a:solidFill>
+            <a:endParaRPr b="0" lang="en-US" sz="3200" spc="-1" strike="noStrike">
               <a:latin typeface="Arial"/>
             </a:endParaRPr>
           </a:p>
@@ -3398,19 +3119,7 @@
             <a:normAutofit/>
           </a:bodyPr>
           <a:p>
-            <a:pPr>
-              <a:lnSpc>
-                <a:spcPct val="90000"/>
-              </a:lnSpc>
-              <a:spcBef>
-                <a:spcPts val="1417"/>
-              </a:spcBef>
-              <a:buNone/>
-            </a:pPr>
-            <a:endParaRPr b="0" lang="en-US" sz="2800" spc="-1" strike="noStrike">
-              <a:solidFill>
-                <a:srgbClr val="000000"/>
-              </a:solidFill>
+            <a:endParaRPr b="0" lang="en-US" sz="3200" spc="-1" strike="noStrike">
               <a:latin typeface="Arial"/>
             </a:endParaRPr>
           </a:p>
@@ -3450,7 +3159,7 @@
         <p:txBody>
           <a:bodyPr/>
           <a:p>
-            <a:fld id="{098B39F6-D23D-4BFD-AE4D-7161FA2B98A6}" type="slidenum">
+            <a:fld id="{01AF9DC4-4C67-4C5D-8894-1984C47E3C88}" type="slidenum">
               <a:t>&lt;#&gt;</a:t>
             </a:fld>
           </a:p>
@@ -3519,7 +3228,7 @@
         <p:spPr>
           <a:xfrm>
             <a:off x="4038480" y="6356520"/>
-            <a:ext cx="4114080" cy="364320"/>
+            <a:ext cx="4113720" cy="363960"/>
           </a:xfrm>
           <a:prstGeom prst="rect">
             <a:avLst/>
@@ -3584,7 +3293,7 @@
         <p:spPr>
           <a:xfrm>
             <a:off x="8610480" y="6356520"/>
-            <a:ext cx="2742480" cy="364320"/>
+            <a:ext cx="2742120" cy="363960"/>
           </a:xfrm>
           <a:prstGeom prst="rect">
             <a:avLst/>
@@ -3620,7 +3329,7 @@
               </a:lnSpc>
               <a:buNone/>
             </a:pPr>
-            <a:fld id="{96837526-A2CB-4AAA-98BE-F9D52CACDC6F}" type="slidenum">
+            <a:fld id="{D433BC01-37EF-4B85-9088-E59E27AC9F6B}" type="slidenum">
               <a:rPr b="0" lang="en-US" sz="1200" spc="-1" strike="noStrike">
                 <a:solidFill>
                   <a:srgbClr val="8b8b8b"/>
@@ -3649,7 +3358,7 @@
         <p:spPr>
           <a:xfrm>
             <a:off x="838080" y="6356520"/>
-            <a:ext cx="2742480" cy="364320"/>
+            <a:ext cx="2742120" cy="363960"/>
           </a:xfrm>
           <a:prstGeom prst="rect">
             <a:avLst/>
@@ -3711,19 +3420,16 @@
             <a:noAutofit/>
           </a:bodyPr>
           <a:p>
-            <a:r>
-              <a:rPr b="0" lang="en-US" sz="1800" spc="-1" strike="noStrike">
-                <a:solidFill>
-                  <a:srgbClr val="000000"/>
-                </a:solidFill>
+            <a:pPr algn="ctr">
+              <a:buNone/>
+            </a:pPr>
+            <a:r>
+              <a:rPr b="0" lang="en-US" sz="4400" spc="-1" strike="noStrike">
                 <a:latin typeface="Arial"/>
               </a:rPr>
               <a:t>Click to edit the title text format</a:t>
             </a:r>
-            <a:endParaRPr b="0" lang="en-US" sz="1800" spc="-1" strike="noStrike">
-              <a:solidFill>
-                <a:srgbClr val="000000"/>
-              </a:solidFill>
+            <a:endParaRPr b="0" lang="en-US" sz="4400" spc="-1" strike="noStrike">
               <a:latin typeface="Arial"/>
             </a:endParaRPr>
           </a:p>
@@ -3758,9 +3464,6 @@
           </a:bodyPr>
           <a:p>
             <a:pPr marL="432000" indent="-324000">
-              <a:lnSpc>
-                <a:spcPct val="90000"/>
-              </a:lnSpc>
               <a:spcBef>
                 <a:spcPts val="1417"/>
               </a:spcBef>
@@ -3772,26 +3475,17 @@
               <a:buChar char=""/>
             </a:pPr>
             <a:r>
-              <a:rPr b="0" lang="en-US" sz="2800" spc="-1" strike="noStrike">
-                <a:solidFill>
-                  <a:srgbClr val="000000"/>
-                </a:solidFill>
+              <a:rPr b="0" lang="en-US" sz="3200" spc="-1" strike="noStrike">
                 <a:latin typeface="Arial"/>
               </a:rPr>
               <a:t>Click to edit the outline text format</a:t>
             </a:r>
-            <a:endParaRPr b="0" lang="en-US" sz="2800" spc="-1" strike="noStrike">
-              <a:solidFill>
-                <a:srgbClr val="000000"/>
-              </a:solidFill>
+            <a:endParaRPr b="0" lang="en-US" sz="3200" spc="-1" strike="noStrike">
               <a:latin typeface="Arial"/>
             </a:endParaRPr>
           </a:p>
           <a:p>
             <a:pPr lvl="1" marL="864000" indent="-324000">
-              <a:lnSpc>
-                <a:spcPct val="90000"/>
-              </a:lnSpc>
               <a:spcBef>
                 <a:spcPts val="1134"/>
               </a:spcBef>
@@ -3803,26 +3497,17 @@
               <a:buChar char=""/>
             </a:pPr>
             <a:r>
-              <a:rPr b="0" lang="en-US" sz="2000" spc="-1" strike="noStrike">
-                <a:solidFill>
-                  <a:srgbClr val="000000"/>
-                </a:solidFill>
+              <a:rPr b="0" lang="en-US" sz="2800" spc="-1" strike="noStrike">
                 <a:latin typeface="Arial"/>
               </a:rPr>
               <a:t>Second Outline Level</a:t>
             </a:r>
-            <a:endParaRPr b="0" lang="en-US" sz="2000" spc="-1" strike="noStrike">
-              <a:solidFill>
-                <a:srgbClr val="000000"/>
-              </a:solidFill>
+            <a:endParaRPr b="0" lang="en-US" sz="2800" spc="-1" strike="noStrike">
               <a:latin typeface="Arial"/>
             </a:endParaRPr>
           </a:p>
           <a:p>
             <a:pPr lvl="2" marL="1296000" indent="-288000">
-              <a:lnSpc>
-                <a:spcPct val="90000"/>
-              </a:lnSpc>
               <a:spcBef>
                 <a:spcPts val="850"/>
               </a:spcBef>
@@ -3834,26 +3519,17 @@
               <a:buChar char=""/>
             </a:pPr>
             <a:r>
-              <a:rPr b="0" lang="en-US" sz="1800" spc="-1" strike="noStrike">
-                <a:solidFill>
-                  <a:srgbClr val="000000"/>
-                </a:solidFill>
+              <a:rPr b="0" lang="en-US" sz="2400" spc="-1" strike="noStrike">
                 <a:latin typeface="Arial"/>
               </a:rPr>
               <a:t>Third Outline Level</a:t>
             </a:r>
-            <a:endParaRPr b="0" lang="en-US" sz="1800" spc="-1" strike="noStrike">
-              <a:solidFill>
-                <a:srgbClr val="000000"/>
-              </a:solidFill>
+            <a:endParaRPr b="0" lang="en-US" sz="2400" spc="-1" strike="noStrike">
               <a:latin typeface="Arial"/>
             </a:endParaRPr>
           </a:p>
           <a:p>
             <a:pPr lvl="3" marL="1728000" indent="-216000">
-              <a:lnSpc>
-                <a:spcPct val="90000"/>
-              </a:lnSpc>
               <a:spcBef>
                 <a:spcPts val="567"/>
               </a:spcBef>
@@ -3865,26 +3541,17 @@
               <a:buChar char=""/>
             </a:pPr>
             <a:r>
-              <a:rPr b="0" lang="en-US" sz="1800" spc="-1" strike="noStrike">
-                <a:solidFill>
-                  <a:srgbClr val="000000"/>
-                </a:solidFill>
+              <a:rPr b="0" lang="en-US" sz="2000" spc="-1" strike="noStrike">
                 <a:latin typeface="Arial"/>
               </a:rPr>
               <a:t>Fourth Outline Level</a:t>
             </a:r>
-            <a:endParaRPr b="0" lang="en-US" sz="1800" spc="-1" strike="noStrike">
-              <a:solidFill>
-                <a:srgbClr val="000000"/>
-              </a:solidFill>
+            <a:endParaRPr b="0" lang="en-US" sz="2000" spc="-1" strike="noStrike">
               <a:latin typeface="Arial"/>
             </a:endParaRPr>
           </a:p>
           <a:p>
             <a:pPr lvl="4" marL="2160000" indent="-216000">
-              <a:lnSpc>
-                <a:spcPct val="90000"/>
-              </a:lnSpc>
               <a:spcBef>
                 <a:spcPts val="283"/>
               </a:spcBef>
@@ -3897,25 +3564,16 @@
             </a:pPr>
             <a:r>
               <a:rPr b="0" lang="en-US" sz="2000" spc="-1" strike="noStrike">
-                <a:solidFill>
-                  <a:srgbClr val="000000"/>
-                </a:solidFill>
                 <a:latin typeface="Arial"/>
               </a:rPr>
               <a:t>Fifth Outline Level</a:t>
             </a:r>
             <a:endParaRPr b="0" lang="en-US" sz="2000" spc="-1" strike="noStrike">
-              <a:solidFill>
-                <a:srgbClr val="000000"/>
-              </a:solidFill>
               <a:latin typeface="Arial"/>
             </a:endParaRPr>
           </a:p>
           <a:p>
             <a:pPr lvl="5" marL="2592000" indent="-216000">
-              <a:lnSpc>
-                <a:spcPct val="90000"/>
-              </a:lnSpc>
               <a:spcBef>
                 <a:spcPts val="283"/>
               </a:spcBef>
@@ -3928,25 +3586,16 @@
             </a:pPr>
             <a:r>
               <a:rPr b="0" lang="en-US" sz="2000" spc="-1" strike="noStrike">
-                <a:solidFill>
-                  <a:srgbClr val="000000"/>
-                </a:solidFill>
                 <a:latin typeface="Arial"/>
               </a:rPr>
               <a:t>Sixth Outline Level</a:t>
             </a:r>
             <a:endParaRPr b="0" lang="en-US" sz="2000" spc="-1" strike="noStrike">
-              <a:solidFill>
-                <a:srgbClr val="000000"/>
-              </a:solidFill>
               <a:latin typeface="Arial"/>
             </a:endParaRPr>
           </a:p>
           <a:p>
             <a:pPr lvl="6" marL="3024000" indent="-216000">
-              <a:lnSpc>
-                <a:spcPct val="90000"/>
-              </a:lnSpc>
               <a:spcBef>
                 <a:spcPts val="283"/>
               </a:spcBef>
@@ -3959,17 +3608,11 @@
             </a:pPr>
             <a:r>
               <a:rPr b="0" lang="en-US" sz="2000" spc="-1" strike="noStrike">
-                <a:solidFill>
-                  <a:srgbClr val="000000"/>
-                </a:solidFill>
                 <a:latin typeface="Arial"/>
               </a:rPr>
               <a:t>Seventh Outline Level</a:t>
             </a:r>
             <a:endParaRPr b="0" lang="en-US" sz="2000" spc="-1" strike="noStrike">
-              <a:solidFill>
-                <a:srgbClr val="000000"/>
-              </a:solidFill>
               <a:latin typeface="Arial"/>
             </a:endParaRPr>
           </a:p>
@@ -4033,7 +3676,7 @@
         <p:spPr>
           <a:xfrm>
             <a:off x="1491480" y="0"/>
-            <a:ext cx="9199800" cy="898200"/>
+            <a:ext cx="9199440" cy="897840"/>
           </a:xfrm>
           <a:prstGeom prst="rect">
             <a:avLst/>
@@ -4072,9 +3715,6 @@
               <a:t>Wykrywanie i reagowanie na incydenty bezpieczeństwa</a:t>
             </a:r>
             <a:endParaRPr b="0" lang="en-US" sz="3540" spc="-1" strike="noStrike">
-              <a:solidFill>
-                <a:srgbClr val="000000"/>
-              </a:solidFill>
               <a:latin typeface="Arial"/>
             </a:endParaRPr>
           </a:p>
@@ -4089,7 +3729,7 @@
         <p:spPr>
           <a:xfrm>
             <a:off x="1540440" y="4651200"/>
-            <a:ext cx="9150840" cy="1093320"/>
+            <a:ext cx="9150480" cy="1093320"/>
           </a:xfrm>
           <a:prstGeom prst="rect">
             <a:avLst/>
@@ -4145,7 +3785,7 @@
         <p:spPr>
           <a:xfrm>
             <a:off x="7395480" y="3561480"/>
-            <a:ext cx="26640" cy="62280"/>
+            <a:ext cx="26280" cy="62280"/>
           </a:xfrm>
           <a:prstGeom prst="rect">
             <a:avLst/>
@@ -4227,7 +3867,7 @@
         <p:spPr>
           <a:xfrm>
             <a:off x="1638720" y="100800"/>
-            <a:ext cx="7767720" cy="636840"/>
+            <a:ext cx="7767360" cy="636840"/>
           </a:xfrm>
           <a:prstGeom prst="rect">
             <a:avLst/>
@@ -4258,7 +3898,7 @@
               </a:tabLst>
             </a:pPr>
             <a:r>
-              <a:rPr b="1" lang="en-US" sz="4180" spc="250" strike="noStrike">
+              <a:rPr b="1" lang="en-US" sz="4180" spc="248" strike="noStrike">
                 <a:solidFill>
                   <a:srgbClr val="000000"/>
                 </a:solidFill>
@@ -4282,7 +3922,7 @@
         <p:spPr>
           <a:xfrm>
             <a:off x="531360" y="816480"/>
-            <a:ext cx="11128320" cy="4446000"/>
+            <a:ext cx="11127960" cy="4445640"/>
           </a:xfrm>
           <a:prstGeom prst="rect">
             <a:avLst/>
@@ -4601,7 +4241,7 @@
         <p:spPr>
           <a:xfrm>
             <a:off x="1648080" y="215280"/>
-            <a:ext cx="7767720" cy="636840"/>
+            <a:ext cx="7767360" cy="636840"/>
           </a:xfrm>
           <a:prstGeom prst="rect">
             <a:avLst/>
@@ -4632,7 +4272,7 @@
               </a:tabLst>
             </a:pPr>
             <a:r>
-              <a:rPr b="1" lang="en-US" sz="4180" spc="250" strike="noStrike">
+              <a:rPr b="1" lang="en-US" sz="4180" spc="248" strike="noStrike">
                 <a:solidFill>
                   <a:srgbClr val="000000"/>
                 </a:solidFill>
@@ -4656,7 +4296,7 @@
         <p:spPr>
           <a:xfrm>
             <a:off x="572760" y="1035360"/>
-            <a:ext cx="11618640" cy="4446000"/>
+            <a:ext cx="11618280" cy="4445640"/>
           </a:xfrm>
           <a:prstGeom prst="rect">
             <a:avLst/>
@@ -4875,7 +4515,7 @@
         <p:spPr>
           <a:xfrm>
             <a:off x="1629000" y="110520"/>
-            <a:ext cx="7767720" cy="636840"/>
+            <a:ext cx="7767360" cy="636840"/>
           </a:xfrm>
           <a:prstGeom prst="rect">
             <a:avLst/>
@@ -4906,7 +4546,7 @@
               </a:tabLst>
             </a:pPr>
             <a:r>
-              <a:rPr b="1" lang="en-US" sz="4180" spc="250" strike="noStrike">
+              <a:rPr b="1" lang="en-US" sz="4180" spc="248" strike="noStrike">
                 <a:solidFill>
                   <a:srgbClr val="000000"/>
                 </a:solidFill>
@@ -4930,7 +4570,7 @@
         <p:spPr>
           <a:xfrm>
             <a:off x="1034280" y="883080"/>
-            <a:ext cx="10967400" cy="3653640"/>
+            <a:ext cx="10967040" cy="3653640"/>
           </a:xfrm>
           <a:prstGeom prst="rect">
             <a:avLst/>
@@ -5110,7 +4750,7 @@
         <p:spPr>
           <a:xfrm>
             <a:off x="1629000" y="100800"/>
-            <a:ext cx="7767720" cy="636840"/>
+            <a:ext cx="7767360" cy="636840"/>
           </a:xfrm>
           <a:prstGeom prst="rect">
             <a:avLst/>
@@ -5141,7 +4781,7 @@
               </a:tabLst>
             </a:pPr>
             <a:r>
-              <a:rPr b="1" lang="en-US" sz="4180" spc="250" strike="noStrike">
+              <a:rPr b="1" lang="en-US" sz="4180" spc="248" strike="noStrike">
                 <a:solidFill>
                   <a:srgbClr val="000000"/>
                 </a:solidFill>
@@ -5165,7 +4805,7 @@
         <p:spPr>
           <a:xfrm>
             <a:off x="1034280" y="968760"/>
-            <a:ext cx="10967400" cy="5634000"/>
+            <a:ext cx="10967040" cy="5633640"/>
           </a:xfrm>
           <a:prstGeom prst="rect">
             <a:avLst/>
@@ -5457,7 +5097,7 @@
         <p:spPr>
           <a:xfrm>
             <a:off x="1619640" y="226440"/>
-            <a:ext cx="7767720" cy="636840"/>
+            <a:ext cx="7767360" cy="636840"/>
           </a:xfrm>
           <a:prstGeom prst="rect">
             <a:avLst/>
@@ -5488,7 +5128,7 @@
               </a:tabLst>
             </a:pPr>
             <a:r>
-              <a:rPr b="1" lang="en-US" sz="4180" spc="250" strike="noStrike">
+              <a:rPr b="1" lang="en-US" sz="4180" spc="248" strike="noStrike">
                 <a:solidFill>
                   <a:srgbClr val="000000"/>
                 </a:solidFill>
@@ -5512,7 +5152,7 @@
         <p:spPr>
           <a:xfrm>
             <a:off x="1043640" y="982080"/>
-            <a:ext cx="10967400" cy="4842000"/>
+            <a:ext cx="10967040" cy="4841640"/>
           </a:xfrm>
           <a:prstGeom prst="rect">
             <a:avLst/>
@@ -5656,7 +5296,7 @@
         <p:spPr>
           <a:xfrm>
             <a:off x="1638720" y="147600"/>
-            <a:ext cx="7767720" cy="636840"/>
+            <a:ext cx="7767360" cy="636840"/>
           </a:xfrm>
           <a:prstGeom prst="rect">
             <a:avLst/>
@@ -5687,7 +5327,7 @@
               </a:tabLst>
             </a:pPr>
             <a:r>
-              <a:rPr b="1" lang="en-US" sz="4180" spc="250" strike="noStrike">
+              <a:rPr b="1" lang="en-US" sz="4180" spc="248" strike="noStrike">
                 <a:solidFill>
                   <a:srgbClr val="000000"/>
                 </a:solidFill>
@@ -5711,7 +5351,7 @@
         <p:spPr>
           <a:xfrm>
             <a:off x="1024560" y="949680"/>
-            <a:ext cx="10967400" cy="5238000"/>
+            <a:ext cx="10967040" cy="5237640"/>
           </a:xfrm>
           <a:prstGeom prst="rect">
             <a:avLst/>
@@ -6057,7 +5697,7 @@
         <p:spPr>
           <a:xfrm>
             <a:off x="1667160" y="177120"/>
-            <a:ext cx="7767720" cy="636840"/>
+            <a:ext cx="7767360" cy="636840"/>
           </a:xfrm>
           <a:prstGeom prst="rect">
             <a:avLst/>
@@ -6088,7 +5728,7 @@
               </a:tabLst>
             </a:pPr>
             <a:r>
-              <a:rPr b="1" lang="en-US" sz="4180" spc="250" strike="noStrike">
+              <a:rPr b="1" lang="en-US" sz="4180" spc="248" strike="noStrike">
                 <a:solidFill>
                   <a:srgbClr val="000000"/>
                 </a:solidFill>
@@ -6112,7 +5752,7 @@
         <p:spPr>
           <a:xfrm>
             <a:off x="1062720" y="936000"/>
-            <a:ext cx="10967400" cy="2466000"/>
+            <a:ext cx="10967040" cy="2465640"/>
           </a:xfrm>
           <a:prstGeom prst="rect">
             <a:avLst/>
@@ -6277,7 +5917,7 @@
         <p:spPr>
           <a:xfrm>
             <a:off x="1676880" y="205560"/>
-            <a:ext cx="7767720" cy="636840"/>
+            <a:ext cx="7767360" cy="636840"/>
           </a:xfrm>
           <a:prstGeom prst="rect">
             <a:avLst/>
@@ -6308,7 +5948,7 @@
               </a:tabLst>
             </a:pPr>
             <a:r>
-              <a:rPr b="1" lang="en-US" sz="4180" spc="250" strike="noStrike">
+              <a:rPr b="1" lang="en-US" sz="4180" spc="248" strike="noStrike">
                 <a:solidFill>
                   <a:srgbClr val="000000"/>
                 </a:solidFill>
@@ -6332,7 +5972,7 @@
         <p:spPr>
           <a:xfrm>
             <a:off x="1123920" y="978480"/>
-            <a:ext cx="10915560" cy="2862000"/>
+            <a:ext cx="10915200" cy="2861640"/>
           </a:xfrm>
           <a:prstGeom prst="rect">
             <a:avLst/>
@@ -6508,7 +6148,7 @@
         <p:spPr>
           <a:xfrm>
             <a:off x="1638000" y="227160"/>
-            <a:ext cx="7767720" cy="636840"/>
+            <a:ext cx="7767360" cy="636840"/>
           </a:xfrm>
           <a:prstGeom prst="rect">
             <a:avLst/>
@@ -6539,7 +6179,7 @@
               </a:tabLst>
             </a:pPr>
             <a:r>
-              <a:rPr b="1" lang="en-US" sz="4180" spc="250" strike="noStrike">
+              <a:rPr b="1" lang="en-US" sz="4180" spc="248" strike="noStrike">
                 <a:solidFill>
                   <a:srgbClr val="000000"/>
                 </a:solidFill>
@@ -6563,7 +6203,7 @@
         <p:spPr>
           <a:xfrm>
             <a:off x="609480" y="1157760"/>
-            <a:ext cx="11410200" cy="4446000"/>
+            <a:ext cx="11409840" cy="4445640"/>
           </a:xfrm>
           <a:prstGeom prst="rect">
             <a:avLst/>
@@ -6812,7 +6452,7 @@
         <p:spPr>
           <a:xfrm>
             <a:off x="1638000" y="227160"/>
-            <a:ext cx="10155960" cy="1274040"/>
+            <a:ext cx="10155600" cy="1274040"/>
           </a:xfrm>
           <a:prstGeom prst="rect">
             <a:avLst/>
@@ -6843,7 +6483,7 @@
               </a:tabLst>
             </a:pPr>
             <a:r>
-              <a:rPr b="1" lang="en-US" sz="4180" spc="250" strike="noStrike">
+              <a:rPr b="1" lang="en-US" sz="4180" spc="248" strike="noStrike">
                 <a:solidFill>
                   <a:srgbClr val="000000"/>
                 </a:solidFill>
@@ -6867,7 +6507,7 @@
         <p:spPr>
           <a:xfrm>
             <a:off x="581760" y="1647360"/>
-            <a:ext cx="11410200" cy="4201560"/>
+            <a:ext cx="11409840" cy="4201200"/>
           </a:xfrm>
           <a:prstGeom prst="rect">
             <a:avLst/>
@@ -7088,7 +6728,7 @@
         <p:spPr>
           <a:xfrm>
             <a:off x="351000" y="604440"/>
-            <a:ext cx="11840400" cy="636840"/>
+            <a:ext cx="11840040" cy="636840"/>
           </a:xfrm>
           <a:prstGeom prst="rect">
             <a:avLst/>
@@ -7119,7 +6759,7 @@
               </a:tabLst>
             </a:pPr>
             <a:r>
-              <a:rPr b="1" lang="en-US" sz="4180" spc="250" strike="noStrike">
+              <a:rPr b="1" lang="en-US" sz="4180" spc="248" strike="noStrike">
                 <a:solidFill>
                   <a:srgbClr val="000000"/>
                 </a:solidFill>
@@ -7143,7 +6783,7 @@
         <p:spPr>
           <a:xfrm>
             <a:off x="1132920" y="1917000"/>
-            <a:ext cx="9925920" cy="3565440"/>
+            <a:ext cx="9925560" cy="3565080"/>
           </a:xfrm>
           <a:prstGeom prst="rect">
             <a:avLst/>
@@ -7300,7 +6940,7 @@
         <p:spPr>
           <a:xfrm>
             <a:off x="435960" y="5780880"/>
-            <a:ext cx="11755440" cy="1063440"/>
+            <a:ext cx="11755080" cy="1063080"/>
           </a:xfrm>
           <a:prstGeom prst="rect">
             <a:avLst/>
@@ -7469,7 +7109,7 @@
         <p:spPr>
           <a:xfrm>
             <a:off x="1638000" y="227160"/>
-            <a:ext cx="10155960" cy="1274040"/>
+            <a:ext cx="10155600" cy="1274040"/>
           </a:xfrm>
           <a:prstGeom prst="rect">
             <a:avLst/>
@@ -7500,7 +7140,7 @@
               </a:tabLst>
             </a:pPr>
             <a:r>
-              <a:rPr b="1" lang="en-US" sz="4180" spc="250" strike="noStrike">
+              <a:rPr b="1" lang="en-US" sz="4180" spc="248" strike="noStrike">
                 <a:solidFill>
                   <a:srgbClr val="000000"/>
                 </a:solidFill>
@@ -7524,7 +7164,7 @@
         <p:spPr>
           <a:xfrm>
             <a:off x="581760" y="1647360"/>
-            <a:ext cx="11410200" cy="1674000"/>
+            <a:ext cx="11409840" cy="1673640"/>
           </a:xfrm>
           <a:prstGeom prst="rect">
             <a:avLst/>
@@ -7597,7 +7237,7 @@
         <p:spPr>
           <a:xfrm>
             <a:off x="572760" y="3517920"/>
-            <a:ext cx="11045880" cy="3258000"/>
+            <a:ext cx="11045520" cy="3257640"/>
           </a:xfrm>
           <a:prstGeom prst="rect">
             <a:avLst/>
@@ -7771,7 +7411,7 @@
         <p:spPr>
           <a:xfrm>
             <a:off x="457200" y="227160"/>
-            <a:ext cx="11336760" cy="1274760"/>
+            <a:ext cx="11336400" cy="1274400"/>
           </a:xfrm>
           <a:prstGeom prst="rect">
             <a:avLst/>
@@ -7802,7 +7442,7 @@
               </a:tabLst>
             </a:pPr>
             <a:r>
-              <a:rPr b="1" lang="en-US" sz="4180" spc="250" strike="noStrike">
+              <a:rPr b="1" lang="en-US" sz="4180" spc="248" strike="noStrike">
                 <a:solidFill>
                   <a:srgbClr val="000000"/>
                 </a:solidFill>
@@ -7826,7 +7466,7 @@
         <p:spPr>
           <a:xfrm>
             <a:off x="581760" y="1647360"/>
-            <a:ext cx="11410200" cy="3654000"/>
+            <a:ext cx="11409840" cy="3653640"/>
           </a:xfrm>
           <a:prstGeom prst="rect">
             <a:avLst/>
@@ -7972,7 +7612,7 @@
         <p:spPr>
           <a:xfrm>
             <a:off x="1638000" y="227160"/>
-            <a:ext cx="10155960" cy="1274040"/>
+            <a:ext cx="10155600" cy="1274040"/>
           </a:xfrm>
           <a:prstGeom prst="rect">
             <a:avLst/>
@@ -8003,7 +7643,7 @@
               </a:tabLst>
             </a:pPr>
             <a:r>
-              <a:rPr b="1" lang="en-US" sz="4180" spc="250" strike="noStrike">
+              <a:rPr b="1" lang="en-US" sz="4180" spc="248" strike="noStrike">
                 <a:solidFill>
                   <a:srgbClr val="000000"/>
                 </a:solidFill>
@@ -8027,7 +7667,7 @@
         <p:spPr>
           <a:xfrm>
             <a:off x="581760" y="1647360"/>
-            <a:ext cx="11485440" cy="4842360"/>
+            <a:ext cx="11485080" cy="4842000"/>
           </a:xfrm>
           <a:prstGeom prst="rect">
             <a:avLst/>
@@ -8373,7 +8013,7 @@
         <p:spPr>
           <a:xfrm>
             <a:off x="1638000" y="227160"/>
-            <a:ext cx="10155960" cy="636840"/>
+            <a:ext cx="10155600" cy="636840"/>
           </a:xfrm>
           <a:prstGeom prst="rect">
             <a:avLst/>
@@ -8404,7 +8044,7 @@
               </a:tabLst>
             </a:pPr>
             <a:r>
-              <a:rPr b="1" lang="en-US" sz="4180" spc="250" strike="noStrike">
+              <a:rPr b="1" lang="en-US" sz="4180" spc="248" strike="noStrike">
                 <a:solidFill>
                   <a:srgbClr val="000000"/>
                 </a:solidFill>
@@ -8428,7 +8068,7 @@
         <p:spPr>
           <a:xfrm>
             <a:off x="581760" y="1647360"/>
-            <a:ext cx="11410200" cy="3288240"/>
+            <a:ext cx="11409840" cy="3287880"/>
           </a:xfrm>
           <a:prstGeom prst="rect">
             <a:avLst/>
@@ -8589,7 +8229,7 @@
         <p:spPr>
           <a:xfrm>
             <a:off x="1638000" y="227160"/>
-            <a:ext cx="10155960" cy="636840"/>
+            <a:ext cx="10155600" cy="636840"/>
           </a:xfrm>
           <a:prstGeom prst="rect">
             <a:avLst/>
@@ -8620,7 +8260,7 @@
               </a:tabLst>
             </a:pPr>
             <a:r>
-              <a:rPr b="1" lang="en-US" sz="4180" spc="250" strike="noStrike">
+              <a:rPr b="1" lang="en-US" sz="4180" spc="248" strike="noStrike">
                 <a:solidFill>
                   <a:srgbClr val="000000"/>
                 </a:solidFill>
@@ -8644,7 +8284,7 @@
         <p:spPr>
           <a:xfrm>
             <a:off x="581760" y="1647360"/>
-            <a:ext cx="11410200" cy="2833200"/>
+            <a:ext cx="11409840" cy="2832840"/>
           </a:xfrm>
           <a:prstGeom prst="rect">
             <a:avLst/>
@@ -8755,7 +8395,7 @@
         <p:spPr>
           <a:xfrm>
             <a:off x="1638000" y="227160"/>
-            <a:ext cx="10155960" cy="636840"/>
+            <a:ext cx="10155600" cy="636840"/>
           </a:xfrm>
           <a:prstGeom prst="rect">
             <a:avLst/>
@@ -8786,7 +8426,7 @@
               </a:tabLst>
             </a:pPr>
             <a:r>
-              <a:rPr b="1" lang="en-US" sz="4180" spc="250" strike="noStrike">
+              <a:rPr b="1" lang="en-US" sz="4180" spc="248" strike="noStrike">
                 <a:solidFill>
                   <a:srgbClr val="000000"/>
                 </a:solidFill>
@@ -8810,7 +8450,7 @@
         <p:spPr>
           <a:xfrm>
             <a:off x="581760" y="1647360"/>
-            <a:ext cx="11410200" cy="3654000"/>
+            <a:ext cx="11409840" cy="3653640"/>
           </a:xfrm>
           <a:prstGeom prst="rect">
             <a:avLst/>
@@ -9002,7 +8642,7 @@
         <p:spPr>
           <a:xfrm>
             <a:off x="1017720" y="384120"/>
-            <a:ext cx="10155960" cy="636840"/>
+            <a:ext cx="10155600" cy="636840"/>
           </a:xfrm>
           <a:prstGeom prst="rect">
             <a:avLst/>
@@ -9033,7 +8673,7 @@
               </a:tabLst>
             </a:pPr>
             <a:r>
-              <a:rPr b="1" lang="en-US" sz="4180" spc="250" strike="noStrike">
+              <a:rPr b="1" lang="en-US" sz="4180" spc="248" strike="noStrike">
                 <a:solidFill>
                   <a:srgbClr val="000000"/>
                 </a:solidFill>
@@ -9057,7 +8697,7 @@
         <p:spPr>
           <a:xfrm>
             <a:off x="581760" y="1647360"/>
-            <a:ext cx="11410200" cy="4050000"/>
+            <a:ext cx="11409840" cy="4049640"/>
           </a:xfrm>
           <a:prstGeom prst="rect">
             <a:avLst/>
@@ -9171,7 +8811,7 @@
                 <a:latin typeface="Calibri"/>
                 <a:ea typeface="DejaVu Sans"/>
               </a:rPr>
-              <a:t>Bardzo istotne jest ustalenie, do jakiego momentu w czasie przywrócone mają zostać systemy (jeśli nie są jeszcze raz budowane od podstaw) - musi być znany czas wystąpienia pierszego persistence - przebieg incydentu</a:t>
+              <a:t>Bardzo istotne jest ustalenie, do jakiego momentu w czasie przywrócone mają zostać systemy (jeśli nie są jeszcze raz budowane od podstaw) - musi być znany czas wystąpienia pierwszego persistence - przebieg incydentu</a:t>
             </a:r>
             <a:endParaRPr b="0" lang="en-US" sz="2600" spc="-1" strike="noStrike">
               <a:latin typeface="Arial"/>
@@ -9229,7 +8869,7 @@
         <p:spPr>
           <a:xfrm>
             <a:off x="1638000" y="227160"/>
-            <a:ext cx="10155960" cy="636840"/>
+            <a:ext cx="10155600" cy="636840"/>
           </a:xfrm>
           <a:prstGeom prst="rect">
             <a:avLst/>
@@ -9260,7 +8900,7 @@
               </a:tabLst>
             </a:pPr>
             <a:r>
-              <a:rPr b="1" lang="en-US" sz="4180" spc="250" strike="noStrike">
+              <a:rPr b="1" lang="en-US" sz="4180" spc="248" strike="noStrike">
                 <a:solidFill>
                   <a:srgbClr val="000000"/>
                 </a:solidFill>
@@ -9284,7 +8924,7 @@
         <p:spPr>
           <a:xfrm>
             <a:off x="581760" y="1647360"/>
-            <a:ext cx="11410200" cy="3258000"/>
+            <a:ext cx="11409840" cy="3257640"/>
           </a:xfrm>
           <a:prstGeom prst="rect">
             <a:avLst/>
@@ -9495,7 +9135,7 @@
         <p:spPr>
           <a:xfrm>
             <a:off x="1638000" y="227160"/>
-            <a:ext cx="10155960" cy="636840"/>
+            <a:ext cx="10155600" cy="636840"/>
           </a:xfrm>
           <a:prstGeom prst="rect">
             <a:avLst/>
@@ -9526,7 +9166,7 @@
               </a:tabLst>
             </a:pPr>
             <a:r>
-              <a:rPr b="1" lang="en-US" sz="4180" spc="250" strike="noStrike">
+              <a:rPr b="1" lang="en-US" sz="4180" spc="248" strike="noStrike">
                 <a:solidFill>
                   <a:srgbClr val="000000"/>
                 </a:solidFill>
@@ -9550,7 +9190,7 @@
         <p:spPr>
           <a:xfrm>
             <a:off x="635040" y="1164240"/>
-            <a:ext cx="11410200" cy="5634000"/>
+            <a:ext cx="11409840" cy="5633640"/>
           </a:xfrm>
           <a:prstGeom prst="rect">
             <a:avLst/>
@@ -9947,7 +9587,7 @@
         <p:spPr>
           <a:xfrm>
             <a:off x="1628280" y="0"/>
-            <a:ext cx="9516240" cy="636840"/>
+            <a:ext cx="9515880" cy="636840"/>
           </a:xfrm>
           <a:prstGeom prst="rect">
             <a:avLst/>
@@ -9978,7 +9618,7 @@
               </a:tabLst>
             </a:pPr>
             <a:r>
-              <a:rPr b="1" lang="en-US" sz="4180" spc="250" strike="noStrike">
+              <a:rPr b="1" lang="en-US" sz="4180" spc="248" strike="noStrike">
                 <a:solidFill>
                   <a:srgbClr val="000000"/>
                 </a:solidFill>
@@ -10002,7 +9642,7 @@
         <p:spPr>
           <a:xfrm>
             <a:off x="713160" y="872280"/>
-            <a:ext cx="9853560" cy="364320"/>
+            <a:ext cx="9853200" cy="363960"/>
           </a:xfrm>
           <a:prstGeom prst="rect">
             <a:avLst/>
@@ -10058,7 +9698,7 @@
         <p:spPr>
           <a:xfrm>
             <a:off x="0" y="1735920"/>
-            <a:ext cx="12191400" cy="4031640"/>
+            <a:ext cx="12191040" cy="4031280"/>
           </a:xfrm>
           <a:prstGeom prst="rect">
             <a:avLst/>
@@ -10107,7 +9747,7 @@
         <p:spPr>
           <a:xfrm>
             <a:off x="1619640" y="615240"/>
-            <a:ext cx="7767720" cy="636840"/>
+            <a:ext cx="7767360" cy="636840"/>
           </a:xfrm>
           <a:prstGeom prst="rect">
             <a:avLst/>
@@ -10138,7 +9778,7 @@
               </a:tabLst>
             </a:pPr>
             <a:r>
-              <a:rPr b="1" lang="en-US" sz="4180" spc="250" strike="noStrike">
+              <a:rPr b="1" lang="en-US" sz="4180" spc="248" strike="noStrike">
                 <a:solidFill>
                   <a:srgbClr val="000000"/>
                 </a:solidFill>
@@ -10162,7 +9802,7 @@
         <p:spPr>
           <a:xfrm>
             <a:off x="507960" y="1416600"/>
-            <a:ext cx="11128320" cy="4841640"/>
+            <a:ext cx="11127960" cy="4841640"/>
           </a:xfrm>
           <a:prstGeom prst="rect">
             <a:avLst/>
@@ -10353,7 +9993,7 @@
         <p:spPr>
           <a:xfrm>
             <a:off x="1619640" y="0"/>
-            <a:ext cx="9516240" cy="636840"/>
+            <a:ext cx="9515880" cy="636840"/>
           </a:xfrm>
           <a:prstGeom prst="rect">
             <a:avLst/>
@@ -10384,7 +10024,7 @@
               </a:tabLst>
             </a:pPr>
             <a:r>
-              <a:rPr b="1" lang="en-US" sz="4180" spc="250" strike="noStrike">
+              <a:rPr b="1" lang="en-US" sz="4180" spc="248" strike="noStrike">
                 <a:solidFill>
                   <a:srgbClr val="000000"/>
                 </a:solidFill>
@@ -10412,7 +10052,7 @@
         <p:spPr>
           <a:xfrm>
             <a:off x="1052280" y="1346040"/>
-            <a:ext cx="10483200" cy="5058360"/>
+            <a:ext cx="10482840" cy="5058000"/>
           </a:xfrm>
           <a:prstGeom prst="rect">
             <a:avLst/>
@@ -10463,7 +10103,7 @@
         <p:spPr>
           <a:xfrm>
             <a:off x="1619640" y="0"/>
-            <a:ext cx="9516240" cy="636840"/>
+            <a:ext cx="9515880" cy="636840"/>
           </a:xfrm>
           <a:prstGeom prst="rect">
             <a:avLst/>
@@ -10494,7 +10134,7 @@
               </a:tabLst>
             </a:pPr>
             <a:r>
-              <a:rPr b="1" lang="en-US" sz="4180" spc="250" strike="noStrike">
+              <a:rPr b="1" lang="en-US" sz="4180" spc="248" strike="noStrike">
                 <a:solidFill>
                   <a:srgbClr val="000000"/>
                 </a:solidFill>
@@ -10518,7 +10158,7 @@
         <p:spPr>
           <a:xfrm>
             <a:off x="498600" y="896040"/>
-            <a:ext cx="11138400" cy="4476960"/>
+            <a:ext cx="11138040" cy="4476600"/>
           </a:xfrm>
           <a:prstGeom prst="rect">
             <a:avLst/>
@@ -10700,7 +10340,7 @@
         <p:spPr>
           <a:xfrm>
             <a:off x="1619640" y="0"/>
-            <a:ext cx="9516240" cy="636840"/>
+            <a:ext cx="9515880" cy="636840"/>
           </a:xfrm>
           <a:prstGeom prst="rect">
             <a:avLst/>
@@ -10731,7 +10371,7 @@
               </a:tabLst>
             </a:pPr>
             <a:r>
-              <a:rPr b="1" lang="en-US" sz="4180" spc="250" strike="noStrike">
+              <a:rPr b="1" lang="en-US" sz="4180" spc="248" strike="noStrike">
                 <a:solidFill>
                   <a:srgbClr val="000000"/>
                 </a:solidFill>
@@ -10755,7 +10395,7 @@
         <p:spPr>
           <a:xfrm>
             <a:off x="498600" y="896040"/>
-            <a:ext cx="11138400" cy="5422320"/>
+            <a:ext cx="11138040" cy="5421960"/>
           </a:xfrm>
           <a:prstGeom prst="rect">
             <a:avLst/>
@@ -10891,7 +10531,7 @@
         <p:spPr>
           <a:xfrm>
             <a:off x="1619640" y="0"/>
-            <a:ext cx="9516240" cy="636840"/>
+            <a:ext cx="9515880" cy="636840"/>
           </a:xfrm>
           <a:prstGeom prst="rect">
             <a:avLst/>
@@ -10922,7 +10562,7 @@
               </a:tabLst>
             </a:pPr>
             <a:r>
-              <a:rPr b="1" lang="en-US" sz="4180" spc="250" strike="noStrike">
+              <a:rPr b="1" lang="en-US" sz="4180" spc="248" strike="noStrike">
                 <a:solidFill>
                   <a:srgbClr val="000000"/>
                 </a:solidFill>
@@ -10946,7 +10586,7 @@
         <p:spPr>
           <a:xfrm>
             <a:off x="498600" y="896040"/>
-            <a:ext cx="11138400" cy="2374200"/>
+            <a:ext cx="11138040" cy="2373840"/>
           </a:xfrm>
           <a:prstGeom prst="rect">
             <a:avLst/>
@@ -11132,7 +10772,7 @@
         <p:spPr>
           <a:xfrm>
             <a:off x="1619640" y="0"/>
-            <a:ext cx="9516240" cy="636840"/>
+            <a:ext cx="9515880" cy="636840"/>
           </a:xfrm>
           <a:prstGeom prst="rect">
             <a:avLst/>
@@ -11163,7 +10803,7 @@
               </a:tabLst>
             </a:pPr>
             <a:r>
-              <a:rPr b="1" lang="en-US" sz="4180" spc="250" strike="noStrike">
+              <a:rPr b="1" lang="en-US" sz="4180" spc="248" strike="noStrike">
                 <a:solidFill>
                   <a:srgbClr val="000000"/>
                 </a:solidFill>
@@ -11187,7 +10827,7 @@
         <p:spPr>
           <a:xfrm>
             <a:off x="498600" y="896040"/>
-            <a:ext cx="11138400" cy="5803200"/>
+            <a:ext cx="11138040" cy="5802840"/>
           </a:xfrm>
           <a:prstGeom prst="rect">
             <a:avLst/>
@@ -11569,7 +11209,7 @@
         <p:spPr>
           <a:xfrm>
             <a:off x="1619640" y="0"/>
-            <a:ext cx="9516240" cy="636840"/>
+            <a:ext cx="9515880" cy="636840"/>
           </a:xfrm>
           <a:prstGeom prst="rect">
             <a:avLst/>
@@ -11600,7 +11240,7 @@
               </a:tabLst>
             </a:pPr>
             <a:r>
-              <a:rPr b="1" lang="en-US" sz="4180" spc="250" strike="noStrike">
+              <a:rPr b="1" lang="en-US" sz="4180" spc="248" strike="noStrike">
                 <a:solidFill>
                   <a:srgbClr val="000000"/>
                 </a:solidFill>
@@ -11624,7 +11264,7 @@
         <p:spPr>
           <a:xfrm>
             <a:off x="498600" y="896040"/>
-            <a:ext cx="11138400" cy="3898800"/>
+            <a:ext cx="11138040" cy="3898440"/>
           </a:xfrm>
           <a:prstGeom prst="rect">
             <a:avLst/>
@@ -11805,7 +11445,7 @@
         <p:spPr>
           <a:xfrm>
             <a:off x="1619640" y="0"/>
-            <a:ext cx="9516240" cy="636840"/>
+            <a:ext cx="9515880" cy="636840"/>
           </a:xfrm>
           <a:prstGeom prst="rect">
             <a:avLst/>
@@ -11836,7 +11476,7 @@
               </a:tabLst>
             </a:pPr>
             <a:r>
-              <a:rPr b="1" lang="en-US" sz="4180" spc="250" strike="noStrike">
+              <a:rPr b="1" lang="en-US" sz="4180" spc="248" strike="noStrike">
                 <a:solidFill>
                   <a:srgbClr val="000000"/>
                 </a:solidFill>
@@ -11860,7 +11500,7 @@
         <p:spPr>
           <a:xfrm>
             <a:off x="498600" y="896040"/>
-            <a:ext cx="11138400" cy="5422680"/>
+            <a:ext cx="11138040" cy="5422320"/>
           </a:xfrm>
           <a:prstGeom prst="rect">
             <a:avLst/>
@@ -12102,7 +11742,7 @@
         <p:spPr>
           <a:xfrm>
             <a:off x="103680" y="132120"/>
-            <a:ext cx="12087720" cy="636840"/>
+            <a:ext cx="12087360" cy="636840"/>
           </a:xfrm>
           <a:prstGeom prst="rect">
             <a:avLst/>
@@ -12133,7 +11773,7 @@
               </a:tabLst>
             </a:pPr>
             <a:r>
-              <a:rPr b="1" lang="en-US" sz="4180" spc="250" strike="noStrike">
+              <a:rPr b="1" lang="en-US" sz="4180" spc="248" strike="noStrike">
                 <a:solidFill>
                   <a:srgbClr val="000000"/>
                 </a:solidFill>
@@ -12157,7 +11797,7 @@
         <p:spPr>
           <a:xfrm>
             <a:off x="256680" y="774720"/>
-            <a:ext cx="11677680" cy="6122880"/>
+            <a:ext cx="11677320" cy="6122520"/>
           </a:xfrm>
           <a:prstGeom prst="rect">
             <a:avLst/>
@@ -12670,7 +12310,7 @@
         <p:spPr>
           <a:xfrm>
             <a:off x="103680" y="132120"/>
-            <a:ext cx="12087720" cy="636840"/>
+            <a:ext cx="12087360" cy="636840"/>
           </a:xfrm>
           <a:prstGeom prst="rect">
             <a:avLst/>
@@ -12701,7 +12341,7 @@
               </a:tabLst>
             </a:pPr>
             <a:r>
-              <a:rPr b="1" lang="en-US" sz="4180" spc="250" strike="noStrike">
+              <a:rPr b="1" lang="en-US" sz="4180" spc="248" strike="noStrike">
                 <a:solidFill>
                   <a:srgbClr val="000000"/>
                 </a:solidFill>
@@ -12725,7 +12365,7 @@
         <p:spPr>
           <a:xfrm>
             <a:off x="308520" y="774720"/>
-            <a:ext cx="11677680" cy="5787720"/>
+            <a:ext cx="11677320" cy="5787360"/>
           </a:xfrm>
           <a:prstGeom prst="rect">
             <a:avLst/>
@@ -13386,7 +13026,7 @@
         <p:spPr>
           <a:xfrm>
             <a:off x="103680" y="132120"/>
-            <a:ext cx="12087720" cy="636840"/>
+            <a:ext cx="12087360" cy="636840"/>
           </a:xfrm>
           <a:prstGeom prst="rect">
             <a:avLst/>
@@ -13417,7 +13057,7 @@
               </a:tabLst>
             </a:pPr>
             <a:r>
-              <a:rPr b="1" lang="en-US" sz="4180" spc="250" strike="noStrike">
+              <a:rPr b="1" lang="en-US" sz="4180" spc="248" strike="noStrike">
                 <a:solidFill>
                   <a:srgbClr val="000000"/>
                 </a:solidFill>
@@ -13441,7 +13081,7 @@
         <p:spPr>
           <a:xfrm>
             <a:off x="308520" y="774720"/>
-            <a:ext cx="11677680" cy="5788080"/>
+            <a:ext cx="11677320" cy="5787720"/>
           </a:xfrm>
           <a:prstGeom prst="rect">
             <a:avLst/>
@@ -13909,7 +13549,7 @@
         <p:spPr>
           <a:xfrm>
             <a:off x="1619640" y="615240"/>
-            <a:ext cx="7767720" cy="636840"/>
+            <a:ext cx="7767360" cy="636840"/>
           </a:xfrm>
           <a:prstGeom prst="rect">
             <a:avLst/>
@@ -13940,7 +13580,7 @@
               </a:tabLst>
             </a:pPr>
             <a:r>
-              <a:rPr b="1" lang="en-US" sz="4180" spc="250" strike="noStrike">
+              <a:rPr b="1" lang="en-US" sz="4180" spc="248" strike="noStrike">
                 <a:solidFill>
                   <a:srgbClr val="000000"/>
                 </a:solidFill>
@@ -13964,7 +13604,7 @@
         <p:spPr>
           <a:xfrm>
             <a:off x="489600" y="1416600"/>
-            <a:ext cx="11146680" cy="4841640"/>
+            <a:ext cx="11146320" cy="4841640"/>
           </a:xfrm>
           <a:prstGeom prst="rect">
             <a:avLst/>
@@ -14194,7 +13834,7 @@
         <p:spPr>
           <a:xfrm>
             <a:off x="0" y="0"/>
-            <a:ext cx="12286440" cy="913680"/>
+            <a:ext cx="12286080" cy="913320"/>
           </a:xfrm>
           <a:prstGeom prst="rect">
             <a:avLst/>
@@ -14225,7 +13865,7 @@
               </a:tabLst>
             </a:pPr>
             <a:r>
-              <a:rPr b="1" lang="en-US" sz="3000" spc="250" strike="noStrike">
+              <a:rPr b="1" lang="en-US" sz="3000" spc="248" strike="noStrike">
                 <a:solidFill>
                   <a:srgbClr val="000000"/>
                 </a:solidFill>
@@ -14253,7 +13893,7 @@
         <p:spPr>
           <a:xfrm>
             <a:off x="1839240" y="1159560"/>
-            <a:ext cx="8512920" cy="5564160"/>
+            <a:ext cx="8512560" cy="5563800"/>
           </a:xfrm>
           <a:prstGeom prst="rect">
             <a:avLst/>
@@ -14302,7 +13942,7 @@
         <p:spPr>
           <a:xfrm>
             <a:off x="0" y="0"/>
-            <a:ext cx="12286440" cy="913680"/>
+            <a:ext cx="12286080" cy="913320"/>
           </a:xfrm>
           <a:prstGeom prst="rect">
             <a:avLst/>
@@ -14333,7 +13973,7 @@
               </a:tabLst>
             </a:pPr>
             <a:r>
-              <a:rPr b="1" lang="en-US" sz="3000" spc="250" strike="noStrike">
+              <a:rPr b="1" lang="en-US" sz="3000" spc="248" strike="noStrike">
                 <a:solidFill>
                   <a:srgbClr val="000000"/>
                 </a:solidFill>
@@ -14361,7 +14001,7 @@
         <p:spPr>
           <a:xfrm>
             <a:off x="2220840" y="990360"/>
-            <a:ext cx="8484480" cy="4027680"/>
+            <a:ext cx="8484120" cy="4027320"/>
           </a:xfrm>
           <a:prstGeom prst="rect">
             <a:avLst/>
@@ -14380,7 +14020,7 @@
         <p:spPr>
           <a:xfrm>
             <a:off x="981000" y="5324400"/>
-            <a:ext cx="10276920" cy="1187280"/>
+            <a:ext cx="10276560" cy="1186920"/>
           </a:xfrm>
           <a:prstGeom prst="rect">
             <a:avLst/>
@@ -14541,7 +14181,7 @@
         <p:spPr>
           <a:xfrm>
             <a:off x="0" y="0"/>
-            <a:ext cx="12286440" cy="913680"/>
+            <a:ext cx="12286080" cy="913320"/>
           </a:xfrm>
           <a:prstGeom prst="rect">
             <a:avLst/>
@@ -14572,7 +14212,7 @@
               </a:tabLst>
             </a:pPr>
             <a:r>
-              <a:rPr b="1" lang="en-US" sz="3000" spc="250" strike="noStrike">
+              <a:rPr b="1" lang="en-US" sz="3000" spc="248" strike="noStrike">
                 <a:solidFill>
                   <a:srgbClr val="000000"/>
                 </a:solidFill>
@@ -14596,7 +14236,7 @@
         <p:spPr>
           <a:xfrm>
             <a:off x="1029960" y="5311080"/>
-            <a:ext cx="10131480" cy="1461600"/>
+            <a:ext cx="10131120" cy="1461240"/>
           </a:xfrm>
           <a:prstGeom prst="rect">
             <a:avLst/>
@@ -14731,7 +14371,7 @@
         <p:spPr>
           <a:xfrm>
             <a:off x="2193480" y="1143000"/>
-            <a:ext cx="7636320" cy="3908880"/>
+            <a:ext cx="7635960" cy="3908520"/>
           </a:xfrm>
           <a:prstGeom prst="rect">
             <a:avLst/>
@@ -14780,7 +14420,7 @@
         <p:spPr>
           <a:xfrm>
             <a:off x="0" y="0"/>
-            <a:ext cx="12286440" cy="913680"/>
+            <a:ext cx="12286080" cy="913320"/>
           </a:xfrm>
           <a:prstGeom prst="rect">
             <a:avLst/>
@@ -14811,7 +14451,7 @@
               </a:tabLst>
             </a:pPr>
             <a:r>
-              <a:rPr b="1" lang="en-US" sz="3000" spc="250" strike="noStrike">
+              <a:rPr b="1" lang="en-US" sz="3000" spc="248" strike="noStrike">
                 <a:solidFill>
                   <a:srgbClr val="000000"/>
                 </a:solidFill>
@@ -14835,7 +14475,7 @@
         <p:spPr>
           <a:xfrm>
             <a:off x="1029960" y="5311080"/>
-            <a:ext cx="10131480" cy="1461600"/>
+            <a:ext cx="10131120" cy="1461240"/>
           </a:xfrm>
           <a:prstGeom prst="rect">
             <a:avLst/>
@@ -14945,7 +14585,7 @@
         <p:spPr>
           <a:xfrm>
             <a:off x="2203920" y="1143000"/>
-            <a:ext cx="7625880" cy="3903480"/>
+            <a:ext cx="7625520" cy="3903120"/>
           </a:xfrm>
           <a:prstGeom prst="rect">
             <a:avLst/>
@@ -14994,7 +14634,7 @@
         <p:spPr>
           <a:xfrm>
             <a:off x="0" y="0"/>
-            <a:ext cx="12286440" cy="913680"/>
+            <a:ext cx="12286080" cy="913320"/>
           </a:xfrm>
           <a:prstGeom prst="rect">
             <a:avLst/>
@@ -15025,7 +14665,7 @@
               </a:tabLst>
             </a:pPr>
             <a:r>
-              <a:rPr b="1" lang="en-US" sz="3000" spc="250" strike="noStrike">
+              <a:rPr b="1" lang="en-US" sz="3000" spc="248" strike="noStrike">
                 <a:solidFill>
                   <a:srgbClr val="000000"/>
                 </a:solidFill>
@@ -15049,7 +14689,7 @@
         <p:spPr>
           <a:xfrm>
             <a:off x="673560" y="5058360"/>
-            <a:ext cx="11416320" cy="1735920"/>
+            <a:ext cx="11415960" cy="1735560"/>
           </a:xfrm>
           <a:prstGeom prst="rect">
             <a:avLst/>
@@ -15194,7 +14834,7 @@
         <p:spPr>
           <a:xfrm>
             <a:off x="2204280" y="1143360"/>
-            <a:ext cx="7625880" cy="3903480"/>
+            <a:ext cx="7625520" cy="3903120"/>
           </a:xfrm>
           <a:prstGeom prst="rect">
             <a:avLst/>
@@ -15247,7 +14887,7 @@
         <p:spPr>
           <a:xfrm>
             <a:off x="762120" y="112680"/>
-            <a:ext cx="10973520" cy="1115280"/>
+            <a:ext cx="10973160" cy="1114920"/>
           </a:xfrm>
           <a:prstGeom prst="rect">
             <a:avLst/>
@@ -15279,9 +14919,6 @@
               <a:t>Atrybucja</a:t>
             </a:r>
             <a:endParaRPr b="0" lang="en-US" sz="4350" spc="-1" strike="noStrike">
-              <a:solidFill>
-                <a:srgbClr val="000000"/>
-              </a:solidFill>
               <a:latin typeface="Arial"/>
             </a:endParaRPr>
           </a:p>
@@ -15296,7 +14933,7 @@
         <p:spPr>
           <a:xfrm>
             <a:off x="688320" y="1228680"/>
-            <a:ext cx="10293480" cy="5633640"/>
+            <a:ext cx="10293120" cy="5633640"/>
           </a:xfrm>
           <a:prstGeom prst="rect">
             <a:avLst/>
@@ -15512,7 +15149,7 @@
         <p:spPr>
           <a:xfrm>
             <a:off x="10759680" y="112680"/>
-            <a:ext cx="1339560" cy="870840"/>
+            <a:ext cx="1339200" cy="870480"/>
           </a:xfrm>
           <a:prstGeom prst="rect">
             <a:avLst/>
@@ -15565,7 +15202,7 @@
         <p:spPr>
           <a:xfrm>
             <a:off x="762120" y="112680"/>
-            <a:ext cx="10973520" cy="1115280"/>
+            <a:ext cx="10973160" cy="1114920"/>
           </a:xfrm>
           <a:prstGeom prst="rect">
             <a:avLst/>
@@ -15597,9 +15234,6 @@
               <a:t>Atrybucja</a:t>
             </a:r>
             <a:endParaRPr b="0" lang="en-US" sz="4350" spc="-1" strike="noStrike">
-              <a:solidFill>
-                <a:srgbClr val="000000"/>
-              </a:solidFill>
               <a:latin typeface="Arial"/>
             </a:endParaRPr>
           </a:p>
@@ -15614,7 +15248,7 @@
         <p:spPr>
           <a:xfrm>
             <a:off x="688320" y="1228680"/>
-            <a:ext cx="10616400" cy="5238000"/>
+            <a:ext cx="10616040" cy="5237640"/>
           </a:xfrm>
           <a:prstGeom prst="rect">
             <a:avLst/>
@@ -15958,7 +15592,7 @@
         <p:spPr>
           <a:xfrm>
             <a:off x="10759680" y="112680"/>
-            <a:ext cx="1339560" cy="870840"/>
+            <a:ext cx="1339200" cy="870480"/>
           </a:xfrm>
           <a:prstGeom prst="rect">
             <a:avLst/>
@@ -16011,7 +15645,7 @@
         <p:spPr>
           <a:xfrm>
             <a:off x="762120" y="112680"/>
-            <a:ext cx="10152000" cy="1115280"/>
+            <a:ext cx="10151640" cy="1114920"/>
           </a:xfrm>
           <a:prstGeom prst="rect">
             <a:avLst/>
@@ -16053,9 +15687,6 @@
               <a:t> – Trojan Horse Defense</a:t>
             </a:r>
             <a:endParaRPr b="0" lang="en-US" sz="4350" spc="-1" strike="noStrike">
-              <a:solidFill>
-                <a:srgbClr val="000000"/>
-              </a:solidFill>
               <a:latin typeface="Arial"/>
             </a:endParaRPr>
           </a:p>
@@ -16070,7 +15701,7 @@
         <p:spPr>
           <a:xfrm>
             <a:off x="688320" y="1228680"/>
-            <a:ext cx="10616400" cy="4674600"/>
+            <a:ext cx="10616040" cy="4674240"/>
           </a:xfrm>
           <a:prstGeom prst="rect">
             <a:avLst/>
@@ -16309,7 +15940,7 @@
         <p:spPr>
           <a:xfrm>
             <a:off x="10759680" y="112680"/>
-            <a:ext cx="1339560" cy="870840"/>
+            <a:ext cx="1339200" cy="870480"/>
           </a:xfrm>
           <a:prstGeom prst="rect">
             <a:avLst/>
@@ -16362,7 +15993,7 @@
         <p:spPr>
           <a:xfrm>
             <a:off x="762120" y="112680"/>
-            <a:ext cx="10973520" cy="1115280"/>
+            <a:ext cx="10973160" cy="1114920"/>
           </a:xfrm>
           <a:prstGeom prst="rect">
             <a:avLst/>
@@ -16394,9 +16025,6 @@
               <a:t>HACK BACK!?</a:t>
             </a:r>
             <a:endParaRPr b="0" lang="en-US" sz="4350" spc="-1" strike="noStrike">
-              <a:solidFill>
-                <a:srgbClr val="000000"/>
-              </a:solidFill>
               <a:latin typeface="Arial"/>
             </a:endParaRPr>
           </a:p>
@@ -16411,7 +16039,7 @@
         <p:spPr>
           <a:xfrm>
             <a:off x="688320" y="1228680"/>
-            <a:ext cx="9858960" cy="5237640"/>
+            <a:ext cx="9858600" cy="5237640"/>
           </a:xfrm>
           <a:prstGeom prst="rect">
             <a:avLst/>
@@ -16636,7 +16264,7 @@
         <p:spPr>
           <a:xfrm>
             <a:off x="10784880" y="112680"/>
-            <a:ext cx="1289520" cy="1477800"/>
+            <a:ext cx="1289160" cy="1477440"/>
           </a:xfrm>
           <a:prstGeom prst="rect">
             <a:avLst/>
@@ -16693,7 +16321,7 @@
         <p:spPr>
           <a:xfrm>
             <a:off x="1540440" y="3153240"/>
-            <a:ext cx="9150840" cy="546480"/>
+            <a:ext cx="9150480" cy="546480"/>
           </a:xfrm>
           <a:prstGeom prst="rect">
             <a:avLst/>
@@ -16749,7 +16377,7 @@
         <p:spPr>
           <a:xfrm>
             <a:off x="7395480" y="3561480"/>
-            <a:ext cx="26640" cy="62280"/>
+            <a:ext cx="26280" cy="62280"/>
           </a:xfrm>
           <a:prstGeom prst="rect">
             <a:avLst/>
@@ -16831,7 +16459,7 @@
         <p:spPr>
           <a:xfrm>
             <a:off x="1619640" y="615240"/>
-            <a:ext cx="7767720" cy="636840"/>
+            <a:ext cx="7767360" cy="636840"/>
           </a:xfrm>
           <a:prstGeom prst="rect">
             <a:avLst/>
@@ -16862,7 +16490,7 @@
               </a:tabLst>
             </a:pPr>
             <a:r>
-              <a:rPr b="1" lang="en-US" sz="4180" spc="250" strike="noStrike">
+              <a:rPr b="1" lang="en-US" sz="4180" spc="248" strike="noStrike">
                 <a:solidFill>
                   <a:srgbClr val="000000"/>
                 </a:solidFill>
@@ -16886,7 +16514,7 @@
         <p:spPr>
           <a:xfrm>
             <a:off x="507960" y="1416600"/>
-            <a:ext cx="11128320" cy="5238000"/>
+            <a:ext cx="11127960" cy="5237640"/>
           </a:xfrm>
           <a:prstGeom prst="rect">
             <a:avLst/>
@@ -17180,7 +16808,7 @@
         <p:spPr>
           <a:xfrm>
             <a:off x="838080" y="365040"/>
-            <a:ext cx="10514880" cy="1324800"/>
+            <a:ext cx="10514520" cy="1324440"/>
           </a:xfrm>
           <a:prstGeom prst="rect">
             <a:avLst/>
@@ -17213,9 +16841,6 @@
               <a:t>Źródła użytych grafik</a:t>
             </a:r>
             <a:endParaRPr b="0" lang="en-US" sz="2000" spc="-1" strike="noStrike">
-              <a:solidFill>
-                <a:srgbClr val="000000"/>
-              </a:solidFill>
               <a:latin typeface="Arial"/>
             </a:endParaRPr>
           </a:p>
@@ -17234,7 +16859,7 @@
         <p:spPr>
           <a:xfrm>
             <a:off x="838080" y="1345320"/>
-            <a:ext cx="10514880" cy="4350600"/>
+            <a:ext cx="10514520" cy="4350240"/>
           </a:xfrm>
           <a:prstGeom prst="rect">
             <a:avLst/>
@@ -17272,9 +16897,6 @@
               <a:t>https://media.newyorker.com/photos/5ae2197ab231f616c3248add/master/w_2560%2Cc_limit/180507_r31991web.jpg</a:t>
             </a:r>
             <a:endParaRPr b="0" lang="en-US" sz="1100" spc="-1" strike="noStrike">
-              <a:solidFill>
-                <a:srgbClr val="000000"/>
-              </a:solidFill>
               <a:latin typeface="Arial"/>
             </a:endParaRPr>
           </a:p>
@@ -17292,9 +16914,6 @@
               </a:tabLst>
             </a:pPr>
             <a:endParaRPr b="0" lang="en-US" sz="1100" spc="-1" strike="noStrike">
-              <a:solidFill>
-                <a:srgbClr val="000000"/>
-              </a:solidFill>
               <a:latin typeface="Arial"/>
             </a:endParaRPr>
           </a:p>
@@ -17312,9 +16931,6 @@
               </a:tabLst>
             </a:pPr>
             <a:endParaRPr b="0" lang="en-US" sz="1100" spc="-1" strike="noStrike">
-              <a:solidFill>
-                <a:srgbClr val="000000"/>
-              </a:solidFill>
               <a:latin typeface="Arial"/>
             </a:endParaRPr>
           </a:p>
@@ -17332,9 +16948,6 @@
               </a:tabLst>
             </a:pPr>
             <a:endParaRPr b="0" lang="en-US" sz="1100" spc="-1" strike="noStrike">
-              <a:solidFill>
-                <a:srgbClr val="000000"/>
-              </a:solidFill>
               <a:latin typeface="Arial"/>
             </a:endParaRPr>
           </a:p>
@@ -17379,7 +16992,7 @@
         <p:spPr>
           <a:xfrm>
             <a:off x="1619640" y="0"/>
-            <a:ext cx="7767720" cy="636840"/>
+            <a:ext cx="7767360" cy="636840"/>
           </a:xfrm>
           <a:prstGeom prst="rect">
             <a:avLst/>
@@ -17410,7 +17023,7 @@
               </a:tabLst>
             </a:pPr>
             <a:r>
-              <a:rPr b="1" lang="en-US" sz="4180" spc="250" strike="noStrike">
+              <a:rPr b="1" lang="en-US" sz="4180" spc="248" strike="noStrike">
                 <a:solidFill>
                   <a:srgbClr val="000000"/>
                 </a:solidFill>
@@ -17434,7 +17047,7 @@
         <p:spPr>
           <a:xfrm>
             <a:off x="526320" y="782280"/>
-            <a:ext cx="11239920" cy="5574240"/>
+            <a:ext cx="11239560" cy="5573880"/>
           </a:xfrm>
           <a:prstGeom prst="rect">
             <a:avLst/>
@@ -17768,7 +17381,7 @@
         <p:spPr>
           <a:xfrm>
             <a:off x="1619640" y="0"/>
-            <a:ext cx="7767720" cy="636840"/>
+            <a:ext cx="7767360" cy="636840"/>
           </a:xfrm>
           <a:prstGeom prst="rect">
             <a:avLst/>
@@ -17799,7 +17412,7 @@
               </a:tabLst>
             </a:pPr>
             <a:r>
-              <a:rPr b="1" lang="en-US" sz="4180" spc="250" strike="noStrike">
+              <a:rPr b="1" lang="en-US" sz="4180" spc="248" strike="noStrike">
                 <a:solidFill>
                   <a:srgbClr val="000000"/>
                 </a:solidFill>
@@ -17823,7 +17436,7 @@
         <p:spPr>
           <a:xfrm>
             <a:off x="531360" y="782280"/>
-            <a:ext cx="11128320" cy="5238000"/>
+            <a:ext cx="11127960" cy="5237640"/>
           </a:xfrm>
           <a:prstGeom prst="rect">
             <a:avLst/>
@@ -18130,7 +17743,7 @@
         <p:spPr>
           <a:xfrm>
             <a:off x="1648080" y="0"/>
-            <a:ext cx="7767720" cy="636840"/>
+            <a:ext cx="7767360" cy="636840"/>
           </a:xfrm>
           <a:prstGeom prst="rect">
             <a:avLst/>
@@ -18161,7 +17774,7 @@
               </a:tabLst>
             </a:pPr>
             <a:r>
-              <a:rPr b="1" lang="en-US" sz="4180" spc="250" strike="noStrike">
+              <a:rPr b="1" lang="en-US" sz="4180" spc="248" strike="noStrike">
                 <a:solidFill>
                   <a:srgbClr val="000000"/>
                 </a:solidFill>
@@ -18185,7 +17798,7 @@
         <p:spPr>
           <a:xfrm>
             <a:off x="531360" y="816480"/>
-            <a:ext cx="11128320" cy="3654000"/>
+            <a:ext cx="11127960" cy="3653640"/>
           </a:xfrm>
           <a:prstGeom prst="rect">
             <a:avLst/>
@@ -18407,7 +18020,7 @@
         <p:spPr>
           <a:xfrm>
             <a:off x="1657800" y="100800"/>
-            <a:ext cx="7767720" cy="636840"/>
+            <a:ext cx="7767360" cy="636840"/>
           </a:xfrm>
           <a:prstGeom prst="rect">
             <a:avLst/>
@@ -18438,7 +18051,7 @@
               </a:tabLst>
             </a:pPr>
             <a:r>
-              <a:rPr b="1" lang="en-US" sz="4180" spc="250" strike="noStrike">
+              <a:rPr b="1" lang="en-US" sz="4180" spc="248" strike="noStrike">
                 <a:solidFill>
                   <a:srgbClr val="000000"/>
                 </a:solidFill>
@@ -18462,7 +18075,7 @@
         <p:spPr>
           <a:xfrm>
             <a:off x="531360" y="743400"/>
-            <a:ext cx="11128320" cy="2862000"/>
+            <a:ext cx="11127960" cy="2861640"/>
           </a:xfrm>
           <a:prstGeom prst="rect">
             <a:avLst/>

--- a/6_Reagowanie_na_incydenty.pptx
+++ b/6_Reagowanie_na_incydenty.pptx
@@ -341,7 +341,7 @@
             <a:pPr algn="r">
               <a:buNone/>
             </a:pPr>
-            <a:fld id="{E051A7D7-524D-4060-8A0D-E57A3F523390}" type="slidenum">
+            <a:fld id="{6E8999E2-7FD5-4873-8E1A-934564F758B0}" type="slidenum">
               <a:rPr b="0" lang="en-US" sz="1400" spc="-1" strike="noStrike">
                 <a:latin typeface="Times New Roman"/>
               </a:rPr>
@@ -389,7 +389,7 @@
         <p:spPr>
           <a:xfrm>
             <a:off x="685800" y="1143000"/>
-            <a:ext cx="5485680" cy="3085560"/>
+            <a:ext cx="5484960" cy="3084840"/>
           </a:xfrm>
           <a:prstGeom prst="rect">
             <a:avLst/>
@@ -412,7 +412,7 @@
         <p:spPr>
           <a:xfrm>
             <a:off x="685800" y="4400640"/>
-            <a:ext cx="5485320" cy="3599280"/>
+            <a:ext cx="5484600" cy="3598560"/>
           </a:xfrm>
           <a:prstGeom prst="rect">
             <a:avLst/>
@@ -446,7 +446,7 @@
         <p:spPr>
           <a:xfrm>
             <a:off x="3884760" y="8685360"/>
-            <a:ext cx="2970720" cy="457560"/>
+            <a:ext cx="2970000" cy="456840"/>
           </a:xfrm>
           <a:prstGeom prst="rect">
             <a:avLst/>
@@ -482,7 +482,7 @@
               </a:lnSpc>
               <a:buNone/>
             </a:pPr>
-            <a:fld id="{DE6F6D42-272E-49E9-9DED-E68655FD2DF8}" type="slidenum">
+            <a:fld id="{6E5EDB50-6CF9-4E85-9DC9-3DF9AE9B2808}" type="slidenum">
               <a:rPr b="0" lang="en-US" sz="1200" spc="-1" strike="noStrike">
                 <a:solidFill>
                   <a:srgbClr val="000000"/>
@@ -533,7 +533,7 @@
         <p:spPr>
           <a:xfrm>
             <a:off x="685800" y="1143000"/>
-            <a:ext cx="5485320" cy="3085200"/>
+            <a:ext cx="5484600" cy="3084480"/>
           </a:xfrm>
           <a:prstGeom prst="rect">
             <a:avLst/>
@@ -556,7 +556,7 @@
         <p:spPr>
           <a:xfrm>
             <a:off x="685800" y="4400640"/>
-            <a:ext cx="5485320" cy="3599280"/>
+            <a:ext cx="5484600" cy="3598560"/>
           </a:xfrm>
           <a:prstGeom prst="rect">
             <a:avLst/>
@@ -590,7 +590,7 @@
         <p:spPr>
           <a:xfrm>
             <a:off x="3884760" y="8685360"/>
-            <a:ext cx="2970720" cy="457560"/>
+            <a:ext cx="2970000" cy="456840"/>
           </a:xfrm>
           <a:prstGeom prst="rect">
             <a:avLst/>
@@ -626,7 +626,7 @@
               </a:lnSpc>
               <a:buNone/>
             </a:pPr>
-            <a:fld id="{8F8EC7AB-6BB5-49A6-B856-A15DA8BED470}" type="slidenum">
+            <a:fld id="{04312613-80D4-4AFD-A50F-6074ED5E4D4F}" type="slidenum">
               <a:rPr b="0" lang="en-US" sz="1200" spc="-1" strike="noStrike">
                 <a:solidFill>
                   <a:srgbClr val="000000"/>
@@ -677,7 +677,7 @@
         <p:spPr>
           <a:xfrm>
             <a:off x="685800" y="1143000"/>
-            <a:ext cx="5485680" cy="3085560"/>
+            <a:ext cx="5484960" cy="3084840"/>
           </a:xfrm>
           <a:prstGeom prst="rect">
             <a:avLst/>
@@ -700,7 +700,7 @@
         <p:spPr>
           <a:xfrm>
             <a:off x="685800" y="4400640"/>
-            <a:ext cx="5485320" cy="3599280"/>
+            <a:ext cx="5484600" cy="3598560"/>
           </a:xfrm>
           <a:prstGeom prst="rect">
             <a:avLst/>
@@ -734,7 +734,7 @@
         <p:spPr>
           <a:xfrm>
             <a:off x="3884760" y="8685360"/>
-            <a:ext cx="2970720" cy="457560"/>
+            <a:ext cx="2970000" cy="456840"/>
           </a:xfrm>
           <a:prstGeom prst="rect">
             <a:avLst/>
@@ -770,7 +770,7 @@
               </a:lnSpc>
               <a:buNone/>
             </a:pPr>
-            <a:fld id="{81B6A2FE-2255-46D8-8C3D-268D9B4C16E9}" type="slidenum">
+            <a:fld id="{3A6A1CBC-8EDF-46BB-B6E6-CF3D8B73F65B}" type="slidenum">
               <a:rPr b="0" lang="en-US" sz="1200" spc="-1" strike="noStrike">
                 <a:solidFill>
                   <a:srgbClr val="000000"/>
@@ -821,7 +821,7 @@
         <p:spPr>
           <a:xfrm>
             <a:off x="685800" y="1143000"/>
-            <a:ext cx="5485680" cy="3085560"/>
+            <a:ext cx="5484960" cy="3084840"/>
           </a:xfrm>
           <a:prstGeom prst="rect">
             <a:avLst/>
@@ -844,7 +844,7 @@
         <p:spPr>
           <a:xfrm>
             <a:off x="685800" y="4400640"/>
-            <a:ext cx="5485320" cy="3599280"/>
+            <a:ext cx="5484600" cy="3598560"/>
           </a:xfrm>
           <a:prstGeom prst="rect">
             <a:avLst/>
@@ -878,7 +878,7 @@
         <p:spPr>
           <a:xfrm>
             <a:off x="3884760" y="8685360"/>
-            <a:ext cx="2970720" cy="457560"/>
+            <a:ext cx="2970000" cy="456840"/>
           </a:xfrm>
           <a:prstGeom prst="rect">
             <a:avLst/>
@@ -914,7 +914,7 @@
               </a:lnSpc>
               <a:buNone/>
             </a:pPr>
-            <a:fld id="{08F5A345-6066-43A3-9B5C-BB163C21AB78}" type="slidenum">
+            <a:fld id="{8AB5FFBD-D2EC-40BC-8B0B-F126FEBBDCB7}" type="slidenum">
               <a:rPr b="0" lang="en-US" sz="1200" spc="-1" strike="noStrike">
                 <a:solidFill>
                   <a:srgbClr val="000000"/>
@@ -986,7 +986,7 @@
         <p:txBody>
           <a:bodyPr/>
           <a:p>
-            <a:fld id="{236A74E1-BCEA-4E1F-8083-221257C8C72D}" type="slidenum">
+            <a:fld id="{559113B0-0BBC-449F-AA60-A1A5C3C9EF28}" type="slidenum">
               <a:t>&lt;#&gt;</a:t>
             </a:fld>
           </a:p>
@@ -1174,7 +1174,7 @@
         <p:txBody>
           <a:bodyPr/>
           <a:p>
-            <a:fld id="{9FF022F1-6757-48D2-B278-CF5B83823AA5}" type="slidenum">
+            <a:fld id="{980D0D82-1CDC-4F76-9770-DC41DAFA74B1}" type="slidenum">
               <a:t>&lt;#&gt;</a:t>
             </a:fld>
           </a:p>
@@ -1430,7 +1430,7 @@
         <p:txBody>
           <a:bodyPr/>
           <a:p>
-            <a:fld id="{A279F3F5-284D-4C19-91E9-45D0C43880E6}" type="slidenum">
+            <a:fld id="{57751F52-1E4B-4F3F-87DE-E3BF7FB88820}" type="slidenum">
               <a:t>&lt;#&gt;</a:t>
             </a:fld>
           </a:p>
@@ -1754,7 +1754,7 @@
         <p:txBody>
           <a:bodyPr/>
           <a:p>
-            <a:fld id="{6ABFF307-572E-43EA-A127-760B84136631}" type="slidenum">
+            <a:fld id="{917B1D5D-C813-4C03-AE83-E4CDC2A5231F}" type="slidenum">
               <a:t>&lt;#&gt;</a:t>
             </a:fld>
           </a:p>
@@ -1911,7 +1911,7 @@
         <p:txBody>
           <a:bodyPr/>
           <a:p>
-            <a:fld id="{04918714-59D3-474B-A972-42EF44483B22}" type="slidenum">
+            <a:fld id="{D05AE295-7779-4F6C-A302-B2360426B6D8}" type="slidenum">
               <a:t>&lt;#&gt;</a:t>
             </a:fld>
           </a:p>
@@ -2065,7 +2065,7 @@
         <p:txBody>
           <a:bodyPr/>
           <a:p>
-            <a:fld id="{BC19BBE1-85ED-4745-8D10-B0653C3079D7}" type="slidenum">
+            <a:fld id="{8ECC355E-D347-4F4A-AC6F-56EC75E88575}" type="slidenum">
               <a:t>&lt;#&gt;</a:t>
             </a:fld>
           </a:p>
@@ -2253,7 +2253,7 @@
         <p:txBody>
           <a:bodyPr/>
           <a:p>
-            <a:fld id="{F94BB595-031D-40AD-AED7-1CEF6C0C8E90}" type="slidenum">
+            <a:fld id="{CB439117-31DE-484A-9875-12EE523E2048}" type="slidenum">
               <a:t>&lt;#&gt;</a:t>
             </a:fld>
           </a:p>
@@ -2373,7 +2373,7 @@
         <p:txBody>
           <a:bodyPr/>
           <a:p>
-            <a:fld id="{BBF86571-9A48-4D29-B005-62FA55012FD2}" type="slidenum">
+            <a:fld id="{D6074D1D-2ACB-4DDA-A1C2-75241EFFA014}" type="slidenum">
               <a:t>&lt;#&gt;</a:t>
             </a:fld>
           </a:p>
@@ -2493,7 +2493,7 @@
         <p:txBody>
           <a:bodyPr/>
           <a:p>
-            <a:fld id="{C4A62627-73E7-4211-935B-010F531D1D39}" type="slidenum">
+            <a:fld id="{16B16A8A-F347-43BB-B6D0-726918E585B1}" type="slidenum">
               <a:t>&lt;#&gt;</a:t>
             </a:fld>
           </a:p>
@@ -2715,7 +2715,7 @@
         <p:txBody>
           <a:bodyPr/>
           <a:p>
-            <a:fld id="{0526D652-22FE-43FD-B909-591E15E955D5}" type="slidenum">
+            <a:fld id="{FDCD227D-D84D-4CDF-972D-F8D155E05DAB}" type="slidenum">
               <a:t>&lt;#&gt;</a:t>
             </a:fld>
           </a:p>
@@ -2937,7 +2937,7 @@
         <p:txBody>
           <a:bodyPr/>
           <a:p>
-            <a:fld id="{2EB0215C-0715-415B-ADA1-75BD267C0A88}" type="slidenum">
+            <a:fld id="{2BB65355-BED0-42B3-8B0A-7B91C4E53E26}" type="slidenum">
               <a:t>&lt;#&gt;</a:t>
             </a:fld>
           </a:p>
@@ -3159,7 +3159,7 @@
         <p:txBody>
           <a:bodyPr/>
           <a:p>
-            <a:fld id="{01AF9DC4-4C67-4C5D-8894-1984C47E3C88}" type="slidenum">
+            <a:fld id="{709A7A8D-A88A-43AD-9DF5-8E907E477562}" type="slidenum">
               <a:t>&lt;#&gt;</a:t>
             </a:fld>
           </a:p>
@@ -3228,7 +3228,7 @@
         <p:spPr>
           <a:xfrm>
             <a:off x="4038480" y="6356520"/>
-            <a:ext cx="4113720" cy="363960"/>
+            <a:ext cx="4113000" cy="363240"/>
           </a:xfrm>
           <a:prstGeom prst="rect">
             <a:avLst/>
@@ -3293,7 +3293,7 @@
         <p:spPr>
           <a:xfrm>
             <a:off x="8610480" y="6356520"/>
-            <a:ext cx="2742120" cy="363960"/>
+            <a:ext cx="2741400" cy="363240"/>
           </a:xfrm>
           <a:prstGeom prst="rect">
             <a:avLst/>
@@ -3329,7 +3329,7 @@
               </a:lnSpc>
               <a:buNone/>
             </a:pPr>
-            <a:fld id="{D433BC01-37EF-4B85-9088-E59E27AC9F6B}" type="slidenum">
+            <a:fld id="{69D9C1D3-1DF6-4DC4-9CDD-442E20CAD496}" type="slidenum">
               <a:rPr b="0" lang="en-US" sz="1200" spc="-1" strike="noStrike">
                 <a:solidFill>
                   <a:srgbClr val="8b8b8b"/>
@@ -3358,7 +3358,7 @@
         <p:spPr>
           <a:xfrm>
             <a:off x="838080" y="6356520"/>
-            <a:ext cx="2742120" cy="363960"/>
+            <a:ext cx="2741400" cy="363240"/>
           </a:xfrm>
           <a:prstGeom prst="rect">
             <a:avLst/>
@@ -3676,7 +3676,7 @@
         <p:spPr>
           <a:xfrm>
             <a:off x="1491480" y="0"/>
-            <a:ext cx="9199440" cy="897840"/>
+            <a:ext cx="9198720" cy="897120"/>
           </a:xfrm>
           <a:prstGeom prst="rect">
             <a:avLst/>
@@ -3729,7 +3729,7 @@
         <p:spPr>
           <a:xfrm>
             <a:off x="1540440" y="4651200"/>
-            <a:ext cx="9150480" cy="1093320"/>
+            <a:ext cx="9149760" cy="1093320"/>
           </a:xfrm>
           <a:prstGeom prst="rect">
             <a:avLst/>
@@ -3785,7 +3785,7 @@
         <p:spPr>
           <a:xfrm>
             <a:off x="7395480" y="3561480"/>
-            <a:ext cx="26280" cy="62280"/>
+            <a:ext cx="25560" cy="62280"/>
           </a:xfrm>
           <a:prstGeom prst="rect">
             <a:avLst/>
@@ -3867,7 +3867,7 @@
         <p:spPr>
           <a:xfrm>
             <a:off x="1638720" y="100800"/>
-            <a:ext cx="7767360" cy="636840"/>
+            <a:ext cx="7766640" cy="636840"/>
           </a:xfrm>
           <a:prstGeom prst="rect">
             <a:avLst/>
@@ -3898,7 +3898,7 @@
               </a:tabLst>
             </a:pPr>
             <a:r>
-              <a:rPr b="1" lang="en-US" sz="4180" spc="248" strike="noStrike">
+              <a:rPr b="1" lang="en-US" sz="4180" spc="242" strike="noStrike">
                 <a:solidFill>
                   <a:srgbClr val="000000"/>
                 </a:solidFill>
@@ -3922,7 +3922,7 @@
         <p:spPr>
           <a:xfrm>
             <a:off x="531360" y="816480"/>
-            <a:ext cx="11127960" cy="4445640"/>
+            <a:ext cx="11127240" cy="4445640"/>
           </a:xfrm>
           <a:prstGeom prst="rect">
             <a:avLst/>
@@ -4241,7 +4241,7 @@
         <p:spPr>
           <a:xfrm>
             <a:off x="1648080" y="215280"/>
-            <a:ext cx="7767360" cy="636840"/>
+            <a:ext cx="7766640" cy="636840"/>
           </a:xfrm>
           <a:prstGeom prst="rect">
             <a:avLst/>
@@ -4272,7 +4272,7 @@
               </a:tabLst>
             </a:pPr>
             <a:r>
-              <a:rPr b="1" lang="en-US" sz="4180" spc="248" strike="noStrike">
+              <a:rPr b="1" lang="en-US" sz="4180" spc="242" strike="noStrike">
                 <a:solidFill>
                   <a:srgbClr val="000000"/>
                 </a:solidFill>
@@ -4296,7 +4296,7 @@
         <p:spPr>
           <a:xfrm>
             <a:off x="572760" y="1035360"/>
-            <a:ext cx="11618280" cy="4445640"/>
+            <a:ext cx="11617560" cy="4445640"/>
           </a:xfrm>
           <a:prstGeom prst="rect">
             <a:avLst/>
@@ -4515,7 +4515,7 @@
         <p:spPr>
           <a:xfrm>
             <a:off x="1629000" y="110520"/>
-            <a:ext cx="7767360" cy="636840"/>
+            <a:ext cx="7766640" cy="636840"/>
           </a:xfrm>
           <a:prstGeom prst="rect">
             <a:avLst/>
@@ -4546,7 +4546,7 @@
               </a:tabLst>
             </a:pPr>
             <a:r>
-              <a:rPr b="1" lang="en-US" sz="4180" spc="248" strike="noStrike">
+              <a:rPr b="1" lang="en-US" sz="4180" spc="242" strike="noStrike">
                 <a:solidFill>
                   <a:srgbClr val="000000"/>
                 </a:solidFill>
@@ -4570,7 +4570,7 @@
         <p:spPr>
           <a:xfrm>
             <a:off x="1034280" y="883080"/>
-            <a:ext cx="10967040" cy="3653640"/>
+            <a:ext cx="10966320" cy="3653640"/>
           </a:xfrm>
           <a:prstGeom prst="rect">
             <a:avLst/>
@@ -4750,7 +4750,7 @@
         <p:spPr>
           <a:xfrm>
             <a:off x="1629000" y="100800"/>
-            <a:ext cx="7767360" cy="636840"/>
+            <a:ext cx="7766640" cy="636840"/>
           </a:xfrm>
           <a:prstGeom prst="rect">
             <a:avLst/>
@@ -4781,7 +4781,7 @@
               </a:tabLst>
             </a:pPr>
             <a:r>
-              <a:rPr b="1" lang="en-US" sz="4180" spc="248" strike="noStrike">
+              <a:rPr b="1" lang="en-US" sz="4180" spc="242" strike="noStrike">
                 <a:solidFill>
                   <a:srgbClr val="000000"/>
                 </a:solidFill>
@@ -4805,7 +4805,7 @@
         <p:spPr>
           <a:xfrm>
             <a:off x="1034280" y="968760"/>
-            <a:ext cx="10967040" cy="5633640"/>
+            <a:ext cx="10966320" cy="5634360"/>
           </a:xfrm>
           <a:prstGeom prst="rect">
             <a:avLst/>
@@ -4859,6 +4859,17 @@
             </a:endParaRPr>
           </a:p>
           <a:p>
+            <a:pPr>
+              <a:lnSpc>
+                <a:spcPct val="100000"/>
+              </a:lnSpc>
+              <a:buNone/>
+            </a:pPr>
+            <a:endParaRPr b="0" lang="en-US" sz="2600" spc="-1" strike="noStrike">
+              <a:latin typeface="Arial"/>
+            </a:endParaRPr>
+          </a:p>
+          <a:p>
             <a:pPr marL="457200" indent="-457200">
               <a:lnSpc>
                 <a:spcPct val="100000"/>
@@ -4877,7 +4888,28 @@
                 <a:latin typeface="Calibri"/>
                 <a:ea typeface="DejaVu Sans"/>
               </a:rPr>
-              <a:t>ustalenie zakresu incydentu, tj. zidentyfikowanie wszystkich systemów (i innych zasobów, jak np. konta użytkownika) dotkniętych incydentem,</a:t>
+              <a:t>odnalezienie </a:t>
+            </a:r>
+            <a:r>
+              <a:rPr b="0" lang="en-US" sz="2600" spc="-1" strike="noStrike" u="sng">
+                <a:solidFill>
+                  <a:srgbClr val="000000"/>
+                </a:solidFill>
+                <a:uFillTx/>
+                <a:latin typeface="Calibri"/>
+                <a:ea typeface="DejaVu Sans"/>
+              </a:rPr>
+              <a:t>pierwszego systemu/użytkownika/zasobu</a:t>
+            </a:r>
+            <a:r>
+              <a:rPr b="0" lang="en-US" sz="2600" spc="-1" strike="noStrike">
+                <a:solidFill>
+                  <a:srgbClr val="000000"/>
+                </a:solidFill>
+                <a:latin typeface="Calibri"/>
+                <a:ea typeface="DejaVu Sans"/>
+              </a:rPr>
+              <a:t> dotkniętego incydentem, co jest konieczne do ustalenia przyczyny i wektora ataku</a:t>
             </a:r>
             <a:endParaRPr b="0" lang="en-US" sz="2600" spc="-1" strike="noStrike">
               <a:latin typeface="Arial"/>
@@ -4902,17 +4934,28 @@
                 <a:latin typeface="Calibri"/>
                 <a:ea typeface="DejaVu Sans"/>
               </a:rPr>
-              <a:t>czynności </a:t>
-            </a:r>
-            <a:r>
-              <a:rPr b="1" lang="en-US" sz="2600" spc="-1" strike="noStrike">
-                <a:solidFill>
-                  <a:srgbClr val="000000"/>
-                </a:solidFill>
-                <a:latin typeface="Calibri"/>
-                <a:ea typeface="DejaVu Sans"/>
-              </a:rPr>
-              <a:t>sprowadzają się do stosowania technik z zakresu threat huntingu i forensics,</a:t>
+              <a:t>ustalenie zakresu incydentu, tj. zidentyfikowanie </a:t>
+            </a:r>
+            <a:r>
+              <a:rPr b="0" lang="en-US" sz="2600" spc="-1" strike="noStrike" u="sng">
+                <a:solidFill>
+                  <a:srgbClr val="000000"/>
+                </a:solidFill>
+                <a:uFillTx/>
+                <a:latin typeface="Calibri"/>
+                <a:ea typeface="DejaVu Sans"/>
+              </a:rPr>
+              <a:t>wszystkich systemów</a:t>
+            </a:r>
+            <a:r>
+              <a:rPr b="0" lang="en-US" sz="2600" spc="-1" strike="noStrike">
+                <a:solidFill>
+                  <a:srgbClr val="000000"/>
+                </a:solidFill>
+                <a:latin typeface="Calibri"/>
+                <a:ea typeface="DejaVu Sans"/>
+              </a:rPr>
+              <a:t> (i innych zasobów, jak np. konta użytkownika) dotkniętych incydentem,</a:t>
             </a:r>
             <a:endParaRPr b="0" lang="en-US" sz="2600" spc="-1" strike="noStrike">
               <a:latin typeface="Arial"/>
@@ -4937,23 +4980,34 @@
                 <a:latin typeface="Calibri"/>
                 <a:ea typeface="DejaVu Sans"/>
               </a:rPr>
-              <a:t>celem jest:</a:t>
-            </a:r>
-            <a:endParaRPr b="0" lang="en-US" sz="2600" spc="-1" strike="noStrike">
-              <a:latin typeface="Arial"/>
-            </a:endParaRPr>
-          </a:p>
-          <a:p>
-            <a:pPr lvl="1" marL="914400" indent="-457200">
-              <a:lnSpc>
-                <a:spcPct val="100000"/>
-              </a:lnSpc>
-              <a:buClr>
-                <a:srgbClr val="000000"/>
-              </a:buClr>
-              <a:buFont typeface="Arial"/>
-              <a:buChar char="•"/>
-            </a:pPr>
+              <a:t>czynności sprowadzają się do stosowania technik z zakresu threat huntingu i forensics</a:t>
+            </a:r>
+            <a:endParaRPr b="0" lang="en-US" sz="2600" spc="-1" strike="noStrike">
+              <a:latin typeface="Arial"/>
+            </a:endParaRPr>
+          </a:p>
+          <a:p>
+            <a:pPr marL="457200" indent="-457200">
+              <a:lnSpc>
+                <a:spcPct val="100000"/>
+              </a:lnSpc>
+              <a:buClr>
+                <a:srgbClr val="000000"/>
+              </a:buClr>
+              <a:buFont typeface="Arial"/>
+              <a:buChar char="•"/>
+            </a:pPr>
+            <a:r>
+              <a:rPr b="0" lang="en-US" sz="2600" spc="-1" strike="noStrike" u="sng">
+                <a:solidFill>
+                  <a:srgbClr val="000000"/>
+                </a:solidFill>
+                <a:uFillTx/>
+                <a:latin typeface="Calibri"/>
+                <a:ea typeface="DejaVu Sans"/>
+              </a:rPr>
+              <a:t>pełen</a:t>
+            </a:r>
             <a:r>
               <a:rPr b="0" lang="en-US" sz="2600" spc="-1" strike="noStrike">
                 <a:solidFill>
@@ -4962,32 +5016,18 @@
                 <a:latin typeface="Calibri"/>
                 <a:ea typeface="DejaVu Sans"/>
               </a:rPr>
-              <a:t>odnalezienie pierwszego systemu/użytkownika/zasobu dotkniętego incydentem (co jest konieczne do ustalenia przyczyny, wektora ataku)</a:t>
-            </a:r>
-            <a:endParaRPr b="0" lang="en-US" sz="2600" spc="-1" strike="noStrike">
-              <a:latin typeface="Arial"/>
-            </a:endParaRPr>
-          </a:p>
-          <a:p>
-            <a:pPr lvl="1" marL="914400" indent="-457200">
-              <a:lnSpc>
-                <a:spcPct val="100000"/>
-              </a:lnSpc>
-              <a:buClr>
-                <a:srgbClr val="000000"/>
-              </a:buClr>
-              <a:buFont typeface="Arial"/>
-              <a:buChar char="•"/>
-            </a:pPr>
-            <a:r>
-              <a:rPr b="1" lang="en-US" sz="2600" spc="-1" strike="noStrike">
-                <a:solidFill>
-                  <a:srgbClr val="000000"/>
-                </a:solidFill>
-                <a:latin typeface="Calibri"/>
-                <a:ea typeface="DejaVu Sans"/>
-              </a:rPr>
-              <a:t>umożliwienie</a:t>
+              <a:t> scoping jest </a:t>
+            </a:r>
+            <a:r>
+              <a:rPr b="0" lang="en-US" sz="2600" spc="-1" strike="noStrike" u="sng">
+                <a:solidFill>
+                  <a:srgbClr val="000000"/>
+                </a:solidFill>
+                <a:uFillTx/>
+                <a:latin typeface="Calibri"/>
+                <a:ea typeface="DejaVu Sans"/>
+              </a:rPr>
+              <a:t>konieczny</a:t>
             </a:r>
             <a:r>
               <a:rPr b="0" lang="en-US" sz="2600" spc="-1" strike="noStrike">
@@ -4997,27 +5037,7 @@
                 <a:latin typeface="Calibri"/>
                 <a:ea typeface="DejaVu Sans"/>
               </a:rPr>
-              <a:t> </a:t>
-            </a:r>
-            <a:r>
-              <a:rPr b="1" lang="en-US" sz="2600" spc="-1" strike="noStrike">
-                <a:solidFill>
-                  <a:srgbClr val="000000"/>
-                </a:solidFill>
-                <a:latin typeface="Calibri"/>
-                <a:ea typeface="DejaVu Sans"/>
-              </a:rPr>
-              <a:t>skutecznego przeprowadzenia</a:t>
-            </a:r>
-            <a:r>
-              <a:rPr b="0" lang="en-US" sz="2600" spc="-1" strike="noStrike">
-                <a:solidFill>
-                  <a:srgbClr val="000000"/>
-                </a:solidFill>
-                <a:latin typeface="Calibri"/>
-                <a:ea typeface="DejaVu Sans"/>
-              </a:rPr>
-              <a:t> dalszych kroków (Containment, Eradication, Recovery, Lessons Learned)</a:t>
+              <a:t> do prawidłowego przeprowadzenia dalszych kroków (Containment, Eradication, Recovery, Lessons Learned)</a:t>
             </a:r>
             <a:endParaRPr b="0" lang="en-US" sz="2600" spc="-1" strike="noStrike">
               <a:latin typeface="Arial"/>
@@ -5097,7 +5117,7 @@
         <p:spPr>
           <a:xfrm>
             <a:off x="1619640" y="226440"/>
-            <a:ext cx="7767360" cy="636840"/>
+            <a:ext cx="7766640" cy="636840"/>
           </a:xfrm>
           <a:prstGeom prst="rect">
             <a:avLst/>
@@ -5128,7 +5148,7 @@
               </a:tabLst>
             </a:pPr>
             <a:r>
-              <a:rPr b="1" lang="en-US" sz="4180" spc="248" strike="noStrike">
+              <a:rPr b="1" lang="en-US" sz="4180" spc="242" strike="noStrike">
                 <a:solidFill>
                   <a:srgbClr val="000000"/>
                 </a:solidFill>
@@ -5152,7 +5172,7 @@
         <p:spPr>
           <a:xfrm>
             <a:off x="1043640" y="982080"/>
-            <a:ext cx="10967040" cy="4841640"/>
+            <a:ext cx="10966320" cy="4841640"/>
           </a:xfrm>
           <a:prstGeom prst="rect">
             <a:avLst/>
@@ -5296,7 +5316,7 @@
         <p:spPr>
           <a:xfrm>
             <a:off x="1638720" y="147600"/>
-            <a:ext cx="7767360" cy="636840"/>
+            <a:ext cx="7766640" cy="636840"/>
           </a:xfrm>
           <a:prstGeom prst="rect">
             <a:avLst/>
@@ -5327,7 +5347,7 @@
               </a:tabLst>
             </a:pPr>
             <a:r>
-              <a:rPr b="1" lang="en-US" sz="4180" spc="248" strike="noStrike">
+              <a:rPr b="1" lang="en-US" sz="4180" spc="242" strike="noStrike">
                 <a:solidFill>
                   <a:srgbClr val="000000"/>
                 </a:solidFill>
@@ -5351,7 +5371,7 @@
         <p:spPr>
           <a:xfrm>
             <a:off x="1024560" y="949680"/>
-            <a:ext cx="10967040" cy="5237640"/>
+            <a:ext cx="10966320" cy="5237640"/>
           </a:xfrm>
           <a:prstGeom prst="rect">
             <a:avLst/>
@@ -5697,7 +5717,7 @@
         <p:spPr>
           <a:xfrm>
             <a:off x="1667160" y="177120"/>
-            <a:ext cx="7767360" cy="636840"/>
+            <a:ext cx="7766640" cy="636840"/>
           </a:xfrm>
           <a:prstGeom prst="rect">
             <a:avLst/>
@@ -5728,7 +5748,7 @@
               </a:tabLst>
             </a:pPr>
             <a:r>
-              <a:rPr b="1" lang="en-US" sz="4180" spc="248" strike="noStrike">
+              <a:rPr b="1" lang="en-US" sz="4180" spc="242" strike="noStrike">
                 <a:solidFill>
                   <a:srgbClr val="000000"/>
                 </a:solidFill>
@@ -5752,7 +5772,7 @@
         <p:spPr>
           <a:xfrm>
             <a:off x="1062720" y="936000"/>
-            <a:ext cx="10967040" cy="2465640"/>
+            <a:ext cx="10966320" cy="2465640"/>
           </a:xfrm>
           <a:prstGeom prst="rect">
             <a:avLst/>
@@ -5917,7 +5937,7 @@
         <p:spPr>
           <a:xfrm>
             <a:off x="1676880" y="205560"/>
-            <a:ext cx="7767360" cy="636840"/>
+            <a:ext cx="7766640" cy="636840"/>
           </a:xfrm>
           <a:prstGeom prst="rect">
             <a:avLst/>
@@ -5948,7 +5968,7 @@
               </a:tabLst>
             </a:pPr>
             <a:r>
-              <a:rPr b="1" lang="en-US" sz="4180" spc="248" strike="noStrike">
+              <a:rPr b="1" lang="en-US" sz="4180" spc="242" strike="noStrike">
                 <a:solidFill>
                   <a:srgbClr val="000000"/>
                 </a:solidFill>
@@ -5972,7 +5992,7 @@
         <p:spPr>
           <a:xfrm>
             <a:off x="1123920" y="978480"/>
-            <a:ext cx="10915200" cy="2861640"/>
+            <a:ext cx="10914480" cy="2861640"/>
           </a:xfrm>
           <a:prstGeom prst="rect">
             <a:avLst/>
@@ -6148,7 +6168,7 @@
         <p:spPr>
           <a:xfrm>
             <a:off x="1638000" y="227160"/>
-            <a:ext cx="7767360" cy="636840"/>
+            <a:ext cx="7766640" cy="636840"/>
           </a:xfrm>
           <a:prstGeom prst="rect">
             <a:avLst/>
@@ -6179,7 +6199,7 @@
               </a:tabLst>
             </a:pPr>
             <a:r>
-              <a:rPr b="1" lang="en-US" sz="4180" spc="248" strike="noStrike">
+              <a:rPr b="1" lang="en-US" sz="4180" spc="242" strike="noStrike">
                 <a:solidFill>
                   <a:srgbClr val="000000"/>
                 </a:solidFill>
@@ -6203,7 +6223,7 @@
         <p:spPr>
           <a:xfrm>
             <a:off x="609480" y="1157760"/>
-            <a:ext cx="11409840" cy="4445640"/>
+            <a:ext cx="11409120" cy="4445640"/>
           </a:xfrm>
           <a:prstGeom prst="rect">
             <a:avLst/>
@@ -6452,7 +6472,7 @@
         <p:spPr>
           <a:xfrm>
             <a:off x="1638000" y="227160"/>
-            <a:ext cx="10155600" cy="1274040"/>
+            <a:ext cx="10154880" cy="1274040"/>
           </a:xfrm>
           <a:prstGeom prst="rect">
             <a:avLst/>
@@ -6483,7 +6503,7 @@
               </a:tabLst>
             </a:pPr>
             <a:r>
-              <a:rPr b="1" lang="en-US" sz="4180" spc="248" strike="noStrike">
+              <a:rPr b="1" lang="en-US" sz="4180" spc="242" strike="noStrike">
                 <a:solidFill>
                   <a:srgbClr val="000000"/>
                 </a:solidFill>
@@ -6507,7 +6527,7 @@
         <p:spPr>
           <a:xfrm>
             <a:off x="581760" y="1647360"/>
-            <a:ext cx="11409840" cy="4201200"/>
+            <a:ext cx="11409120" cy="4201200"/>
           </a:xfrm>
           <a:prstGeom prst="rect">
             <a:avLst/>
@@ -6728,7 +6748,7 @@
         <p:spPr>
           <a:xfrm>
             <a:off x="351000" y="604440"/>
-            <a:ext cx="11840040" cy="636840"/>
+            <a:ext cx="11839320" cy="636840"/>
           </a:xfrm>
           <a:prstGeom prst="rect">
             <a:avLst/>
@@ -6759,7 +6779,7 @@
               </a:tabLst>
             </a:pPr>
             <a:r>
-              <a:rPr b="1" lang="en-US" sz="4180" spc="248" strike="noStrike">
+              <a:rPr b="1" lang="en-US" sz="4180" spc="242" strike="noStrike">
                 <a:solidFill>
                   <a:srgbClr val="000000"/>
                 </a:solidFill>
@@ -6783,7 +6803,7 @@
         <p:spPr>
           <a:xfrm>
             <a:off x="1132920" y="1917000"/>
-            <a:ext cx="9925560" cy="3565080"/>
+            <a:ext cx="9924840" cy="3565080"/>
           </a:xfrm>
           <a:prstGeom prst="rect">
             <a:avLst/>
@@ -6940,7 +6960,7 @@
         <p:spPr>
           <a:xfrm>
             <a:off x="435960" y="5780880"/>
-            <a:ext cx="11755080" cy="1063080"/>
+            <a:ext cx="11754360" cy="1063080"/>
           </a:xfrm>
           <a:prstGeom prst="rect">
             <a:avLst/>
@@ -7109,7 +7129,7 @@
         <p:spPr>
           <a:xfrm>
             <a:off x="1638000" y="227160"/>
-            <a:ext cx="10155600" cy="1274040"/>
+            <a:ext cx="10154880" cy="1274040"/>
           </a:xfrm>
           <a:prstGeom prst="rect">
             <a:avLst/>
@@ -7140,7 +7160,7 @@
               </a:tabLst>
             </a:pPr>
             <a:r>
-              <a:rPr b="1" lang="en-US" sz="4180" spc="248" strike="noStrike">
+              <a:rPr b="1" lang="en-US" sz="4180" spc="242" strike="noStrike">
                 <a:solidFill>
                   <a:srgbClr val="000000"/>
                 </a:solidFill>
@@ -7164,7 +7184,7 @@
         <p:spPr>
           <a:xfrm>
             <a:off x="581760" y="1647360"/>
-            <a:ext cx="11409840" cy="1673640"/>
+            <a:ext cx="11409120" cy="1673640"/>
           </a:xfrm>
           <a:prstGeom prst="rect">
             <a:avLst/>
@@ -7237,7 +7257,7 @@
         <p:spPr>
           <a:xfrm>
             <a:off x="572760" y="3517920"/>
-            <a:ext cx="11045520" cy="3257640"/>
+            <a:ext cx="11044800" cy="3257640"/>
           </a:xfrm>
           <a:prstGeom prst="rect">
             <a:avLst/>
@@ -7411,7 +7431,7 @@
         <p:spPr>
           <a:xfrm>
             <a:off x="457200" y="227160"/>
-            <a:ext cx="11336400" cy="1274400"/>
+            <a:ext cx="11335680" cy="1274040"/>
           </a:xfrm>
           <a:prstGeom prst="rect">
             <a:avLst/>
@@ -7442,7 +7462,7 @@
               </a:tabLst>
             </a:pPr>
             <a:r>
-              <a:rPr b="1" lang="en-US" sz="4180" spc="248" strike="noStrike">
+              <a:rPr b="1" lang="en-US" sz="4180" spc="242" strike="noStrike">
                 <a:solidFill>
                   <a:srgbClr val="000000"/>
                 </a:solidFill>
@@ -7466,7 +7486,7 @@
         <p:spPr>
           <a:xfrm>
             <a:off x="581760" y="1647360"/>
-            <a:ext cx="11409840" cy="3653640"/>
+            <a:ext cx="11409120" cy="3653640"/>
           </a:xfrm>
           <a:prstGeom prst="rect">
             <a:avLst/>
@@ -7612,7 +7632,7 @@
         <p:spPr>
           <a:xfrm>
             <a:off x="1638000" y="227160"/>
-            <a:ext cx="10155600" cy="1274040"/>
+            <a:ext cx="10154880" cy="1274040"/>
           </a:xfrm>
           <a:prstGeom prst="rect">
             <a:avLst/>
@@ -7643,7 +7663,7 @@
               </a:tabLst>
             </a:pPr>
             <a:r>
-              <a:rPr b="1" lang="en-US" sz="4180" spc="248" strike="noStrike">
+              <a:rPr b="1" lang="en-US" sz="4180" spc="242" strike="noStrike">
                 <a:solidFill>
                   <a:srgbClr val="000000"/>
                 </a:solidFill>
@@ -7667,7 +7687,7 @@
         <p:spPr>
           <a:xfrm>
             <a:off x="581760" y="1647360"/>
-            <a:ext cx="11485080" cy="4842000"/>
+            <a:ext cx="11484360" cy="4841640"/>
           </a:xfrm>
           <a:prstGeom prst="rect">
             <a:avLst/>
@@ -8013,7 +8033,7 @@
         <p:spPr>
           <a:xfrm>
             <a:off x="1638000" y="227160"/>
-            <a:ext cx="10155600" cy="636840"/>
+            <a:ext cx="10154880" cy="636840"/>
           </a:xfrm>
           <a:prstGeom prst="rect">
             <a:avLst/>
@@ -8044,7 +8064,7 @@
               </a:tabLst>
             </a:pPr>
             <a:r>
-              <a:rPr b="1" lang="en-US" sz="4180" spc="248" strike="noStrike">
+              <a:rPr b="1" lang="en-US" sz="4180" spc="242" strike="noStrike">
                 <a:solidFill>
                   <a:srgbClr val="000000"/>
                 </a:solidFill>
@@ -8068,7 +8088,7 @@
         <p:spPr>
           <a:xfrm>
             <a:off x="581760" y="1647360"/>
-            <a:ext cx="11409840" cy="3287880"/>
+            <a:ext cx="11409120" cy="3287520"/>
           </a:xfrm>
           <a:prstGeom prst="rect">
             <a:avLst/>
@@ -8229,7 +8249,7 @@
         <p:spPr>
           <a:xfrm>
             <a:off x="1638000" y="227160"/>
-            <a:ext cx="10155600" cy="636840"/>
+            <a:ext cx="10154880" cy="636840"/>
           </a:xfrm>
           <a:prstGeom prst="rect">
             <a:avLst/>
@@ -8260,7 +8280,7 @@
               </a:tabLst>
             </a:pPr>
             <a:r>
-              <a:rPr b="1" lang="en-US" sz="4180" spc="248" strike="noStrike">
+              <a:rPr b="1" lang="en-US" sz="4180" spc="242" strike="noStrike">
                 <a:solidFill>
                   <a:srgbClr val="000000"/>
                 </a:solidFill>
@@ -8284,7 +8304,7 @@
         <p:spPr>
           <a:xfrm>
             <a:off x="581760" y="1647360"/>
-            <a:ext cx="11409840" cy="2832840"/>
+            <a:ext cx="11409120" cy="3381480"/>
           </a:xfrm>
           <a:prstGeom prst="rect">
             <a:avLst/>
@@ -8323,7 +8343,7 @@
                 <a:latin typeface="Calibri"/>
                 <a:ea typeface="DejaVu Sans"/>
               </a:rPr>
-              <a:t>Tzw. short-term containment to pierwsza doraźna akcja przeprowadzona w celu redukcji szkód</a:t>
+              <a:t>Containment to pierwsza doraźna akcja przeprowadzona w celu redukcji szkód</a:t>
             </a:r>
             <a:endParaRPr b="0" lang="en-US" sz="3600" spc="-1" strike="noStrike">
               <a:latin typeface="Arial"/>
@@ -8348,7 +8368,7 @@
                 <a:latin typeface="Calibri"/>
                 <a:ea typeface="DejaVu Sans"/>
               </a:rPr>
-              <a:t>Rozróżnienie na short-term (doraźny) i long-term (ostateczny) containment  w przypadku systemów o krytycznej dostępności</a:t>
+              <a:t>W przypadku systemów o krytycznej dostępności preferowane jest zablokowanie konta, zatrzymanie sesji i zabicie procesów zamiast odizolowania od sieci całego systemu</a:t>
             </a:r>
             <a:endParaRPr b="0" lang="en-US" sz="3600" spc="-1" strike="noStrike">
               <a:latin typeface="Arial"/>
@@ -8395,7 +8415,7 @@
         <p:spPr>
           <a:xfrm>
             <a:off x="1638000" y="227160"/>
-            <a:ext cx="10155600" cy="636840"/>
+            <a:ext cx="10154880" cy="636840"/>
           </a:xfrm>
           <a:prstGeom prst="rect">
             <a:avLst/>
@@ -8426,7 +8446,7 @@
               </a:tabLst>
             </a:pPr>
             <a:r>
-              <a:rPr b="1" lang="en-US" sz="4180" spc="248" strike="noStrike">
+              <a:rPr b="1" lang="en-US" sz="4180" spc="242" strike="noStrike">
                 <a:solidFill>
                   <a:srgbClr val="000000"/>
                 </a:solidFill>
@@ -8450,7 +8470,7 @@
         <p:spPr>
           <a:xfrm>
             <a:off x="581760" y="1647360"/>
-            <a:ext cx="11409840" cy="3653640"/>
+            <a:ext cx="11409120" cy="3653640"/>
           </a:xfrm>
           <a:prstGeom prst="rect">
             <a:avLst/>
@@ -8642,7 +8662,7 @@
         <p:spPr>
           <a:xfrm>
             <a:off x="1017720" y="384120"/>
-            <a:ext cx="10155600" cy="636840"/>
+            <a:ext cx="10154880" cy="636840"/>
           </a:xfrm>
           <a:prstGeom prst="rect">
             <a:avLst/>
@@ -8673,7 +8693,7 @@
               </a:tabLst>
             </a:pPr>
             <a:r>
-              <a:rPr b="1" lang="en-US" sz="4180" spc="248" strike="noStrike">
+              <a:rPr b="1" lang="en-US" sz="4180" spc="242" strike="noStrike">
                 <a:solidFill>
                   <a:srgbClr val="000000"/>
                 </a:solidFill>
@@ -8697,7 +8717,7 @@
         <p:spPr>
           <a:xfrm>
             <a:off x="581760" y="1647360"/>
-            <a:ext cx="11409840" cy="4049640"/>
+            <a:ext cx="11409120" cy="4049640"/>
           </a:xfrm>
           <a:prstGeom prst="rect">
             <a:avLst/>
@@ -8869,7 +8889,7 @@
         <p:spPr>
           <a:xfrm>
             <a:off x="1638000" y="227160"/>
-            <a:ext cx="10155600" cy="636840"/>
+            <a:ext cx="10154880" cy="636840"/>
           </a:xfrm>
           <a:prstGeom prst="rect">
             <a:avLst/>
@@ -8900,7 +8920,7 @@
               </a:tabLst>
             </a:pPr>
             <a:r>
-              <a:rPr b="1" lang="en-US" sz="4180" spc="248" strike="noStrike">
+              <a:rPr b="1" lang="en-US" sz="4180" spc="242" strike="noStrike">
                 <a:solidFill>
                   <a:srgbClr val="000000"/>
                 </a:solidFill>
@@ -8924,7 +8944,7 @@
         <p:spPr>
           <a:xfrm>
             <a:off x="581760" y="1647360"/>
-            <a:ext cx="11409840" cy="3257640"/>
+            <a:ext cx="11409120" cy="3257640"/>
           </a:xfrm>
           <a:prstGeom prst="rect">
             <a:avLst/>
@@ -9135,7 +9155,7 @@
         <p:spPr>
           <a:xfrm>
             <a:off x="1638000" y="227160"/>
-            <a:ext cx="10155600" cy="636840"/>
+            <a:ext cx="10154880" cy="636840"/>
           </a:xfrm>
           <a:prstGeom prst="rect">
             <a:avLst/>
@@ -9166,7 +9186,7 @@
               </a:tabLst>
             </a:pPr>
             <a:r>
-              <a:rPr b="1" lang="en-US" sz="4180" spc="248" strike="noStrike">
+              <a:rPr b="1" lang="en-US" sz="4180" spc="242" strike="noStrike">
                 <a:solidFill>
                   <a:srgbClr val="000000"/>
                 </a:solidFill>
@@ -9190,7 +9210,7 @@
         <p:spPr>
           <a:xfrm>
             <a:off x="635040" y="1164240"/>
-            <a:ext cx="11409840" cy="5633640"/>
+            <a:ext cx="11409120" cy="5633640"/>
           </a:xfrm>
           <a:prstGeom prst="rect">
             <a:avLst/>
@@ -9587,7 +9607,7 @@
         <p:spPr>
           <a:xfrm>
             <a:off x="1628280" y="0"/>
-            <a:ext cx="9515880" cy="636840"/>
+            <a:ext cx="9515160" cy="636840"/>
           </a:xfrm>
           <a:prstGeom prst="rect">
             <a:avLst/>
@@ -9618,7 +9638,7 @@
               </a:tabLst>
             </a:pPr>
             <a:r>
-              <a:rPr b="1" lang="en-US" sz="4180" spc="248" strike="noStrike">
+              <a:rPr b="1" lang="en-US" sz="4180" spc="242" strike="noStrike">
                 <a:solidFill>
                   <a:srgbClr val="000000"/>
                 </a:solidFill>
@@ -9642,7 +9662,7 @@
         <p:spPr>
           <a:xfrm>
             <a:off x="713160" y="872280"/>
-            <a:ext cx="9853200" cy="363960"/>
+            <a:ext cx="9852480" cy="363960"/>
           </a:xfrm>
           <a:prstGeom prst="rect">
             <a:avLst/>
@@ -9698,7 +9718,7 @@
         <p:spPr>
           <a:xfrm>
             <a:off x="0" y="1735920"/>
-            <a:ext cx="12191040" cy="4031280"/>
+            <a:ext cx="12190320" cy="4030560"/>
           </a:xfrm>
           <a:prstGeom prst="rect">
             <a:avLst/>
@@ -9747,7 +9767,7 @@
         <p:spPr>
           <a:xfrm>
             <a:off x="1619640" y="615240"/>
-            <a:ext cx="7767360" cy="636840"/>
+            <a:ext cx="7766640" cy="636840"/>
           </a:xfrm>
           <a:prstGeom prst="rect">
             <a:avLst/>
@@ -9778,7 +9798,7 @@
               </a:tabLst>
             </a:pPr>
             <a:r>
-              <a:rPr b="1" lang="en-US" sz="4180" spc="248" strike="noStrike">
+              <a:rPr b="1" lang="en-US" sz="4180" spc="242" strike="noStrike">
                 <a:solidFill>
                   <a:srgbClr val="000000"/>
                 </a:solidFill>
@@ -9802,7 +9822,7 @@
         <p:spPr>
           <a:xfrm>
             <a:off x="507960" y="1416600"/>
-            <a:ext cx="11127960" cy="4841640"/>
+            <a:ext cx="11127240" cy="4841640"/>
           </a:xfrm>
           <a:prstGeom prst="rect">
             <a:avLst/>
@@ -9993,7 +10013,7 @@
         <p:spPr>
           <a:xfrm>
             <a:off x="1619640" y="0"/>
-            <a:ext cx="9515880" cy="636840"/>
+            <a:ext cx="9515160" cy="636840"/>
           </a:xfrm>
           <a:prstGeom prst="rect">
             <a:avLst/>
@@ -10024,7 +10044,7 @@
               </a:tabLst>
             </a:pPr>
             <a:r>
-              <a:rPr b="1" lang="en-US" sz="4180" spc="248" strike="noStrike">
+              <a:rPr b="1" lang="en-US" sz="4180" spc="242" strike="noStrike">
                 <a:solidFill>
                   <a:srgbClr val="000000"/>
                 </a:solidFill>
@@ -10052,7 +10072,7 @@
         <p:spPr>
           <a:xfrm>
             <a:off x="1052280" y="1346040"/>
-            <a:ext cx="10482840" cy="5058000"/>
+            <a:ext cx="10482120" cy="5057280"/>
           </a:xfrm>
           <a:prstGeom prst="rect">
             <a:avLst/>
@@ -10103,7 +10123,7 @@
         <p:spPr>
           <a:xfrm>
             <a:off x="1619640" y="0"/>
-            <a:ext cx="9515880" cy="636840"/>
+            <a:ext cx="9515160" cy="636840"/>
           </a:xfrm>
           <a:prstGeom prst="rect">
             <a:avLst/>
@@ -10134,7 +10154,7 @@
               </a:tabLst>
             </a:pPr>
             <a:r>
-              <a:rPr b="1" lang="en-US" sz="4180" spc="248" strike="noStrike">
+              <a:rPr b="1" lang="en-US" sz="4180" spc="242" strike="noStrike">
                 <a:solidFill>
                   <a:srgbClr val="000000"/>
                 </a:solidFill>
@@ -10158,7 +10178,7 @@
         <p:spPr>
           <a:xfrm>
             <a:off x="498600" y="896040"/>
-            <a:ext cx="11138040" cy="4476600"/>
+            <a:ext cx="11137320" cy="4476600"/>
           </a:xfrm>
           <a:prstGeom prst="rect">
             <a:avLst/>
@@ -10340,7 +10360,7 @@
         <p:spPr>
           <a:xfrm>
             <a:off x="1619640" y="0"/>
-            <a:ext cx="9515880" cy="636840"/>
+            <a:ext cx="9515160" cy="636840"/>
           </a:xfrm>
           <a:prstGeom prst="rect">
             <a:avLst/>
@@ -10371,7 +10391,7 @@
               </a:tabLst>
             </a:pPr>
             <a:r>
-              <a:rPr b="1" lang="en-US" sz="4180" spc="248" strike="noStrike">
+              <a:rPr b="1" lang="en-US" sz="4180" spc="242" strike="noStrike">
                 <a:solidFill>
                   <a:srgbClr val="000000"/>
                 </a:solidFill>
@@ -10395,7 +10415,7 @@
         <p:spPr>
           <a:xfrm>
             <a:off x="498600" y="896040"/>
-            <a:ext cx="11138040" cy="5421960"/>
+            <a:ext cx="11137320" cy="5421960"/>
           </a:xfrm>
           <a:prstGeom prst="rect">
             <a:avLst/>
@@ -10531,7 +10551,7 @@
         <p:spPr>
           <a:xfrm>
             <a:off x="1619640" y="0"/>
-            <a:ext cx="9515880" cy="636840"/>
+            <a:ext cx="9515160" cy="636840"/>
           </a:xfrm>
           <a:prstGeom prst="rect">
             <a:avLst/>
@@ -10562,7 +10582,7 @@
               </a:tabLst>
             </a:pPr>
             <a:r>
-              <a:rPr b="1" lang="en-US" sz="4180" spc="248" strike="noStrike">
+              <a:rPr b="1" lang="en-US" sz="4180" spc="242" strike="noStrike">
                 <a:solidFill>
                   <a:srgbClr val="000000"/>
                 </a:solidFill>
@@ -10586,7 +10606,7 @@
         <p:spPr>
           <a:xfrm>
             <a:off x="498600" y="896040"/>
-            <a:ext cx="11138040" cy="2373840"/>
+            <a:ext cx="11137320" cy="2373840"/>
           </a:xfrm>
           <a:prstGeom prst="rect">
             <a:avLst/>
@@ -10772,7 +10792,7 @@
         <p:spPr>
           <a:xfrm>
             <a:off x="1619640" y="0"/>
-            <a:ext cx="9515880" cy="636840"/>
+            <a:ext cx="9515160" cy="636840"/>
           </a:xfrm>
           <a:prstGeom prst="rect">
             <a:avLst/>
@@ -10803,7 +10823,7 @@
               </a:tabLst>
             </a:pPr>
             <a:r>
-              <a:rPr b="1" lang="en-US" sz="4180" spc="248" strike="noStrike">
+              <a:rPr b="1" lang="en-US" sz="4180" spc="242" strike="noStrike">
                 <a:solidFill>
                   <a:srgbClr val="000000"/>
                 </a:solidFill>
@@ -10827,7 +10847,7 @@
         <p:spPr>
           <a:xfrm>
             <a:off x="498600" y="896040"/>
-            <a:ext cx="11138040" cy="5802840"/>
+            <a:ext cx="11137320" cy="5802840"/>
           </a:xfrm>
           <a:prstGeom prst="rect">
             <a:avLst/>
@@ -11209,7 +11229,7 @@
         <p:spPr>
           <a:xfrm>
             <a:off x="1619640" y="0"/>
-            <a:ext cx="9515880" cy="636840"/>
+            <a:ext cx="9515160" cy="636840"/>
           </a:xfrm>
           <a:prstGeom prst="rect">
             <a:avLst/>
@@ -11240,7 +11260,7 @@
               </a:tabLst>
             </a:pPr>
             <a:r>
-              <a:rPr b="1" lang="en-US" sz="4180" spc="248" strike="noStrike">
+              <a:rPr b="1" lang="en-US" sz="4180" spc="242" strike="noStrike">
                 <a:solidFill>
                   <a:srgbClr val="000000"/>
                 </a:solidFill>
@@ -11264,7 +11284,7 @@
         <p:spPr>
           <a:xfrm>
             <a:off x="498600" y="896040"/>
-            <a:ext cx="11138040" cy="3898440"/>
+            <a:ext cx="11137320" cy="3898440"/>
           </a:xfrm>
           <a:prstGeom prst="rect">
             <a:avLst/>
@@ -11445,7 +11465,7 @@
         <p:spPr>
           <a:xfrm>
             <a:off x="1619640" y="0"/>
-            <a:ext cx="9515880" cy="636840"/>
+            <a:ext cx="9515160" cy="636840"/>
           </a:xfrm>
           <a:prstGeom prst="rect">
             <a:avLst/>
@@ -11476,7 +11496,7 @@
               </a:tabLst>
             </a:pPr>
             <a:r>
-              <a:rPr b="1" lang="en-US" sz="4180" spc="248" strike="noStrike">
+              <a:rPr b="1" lang="en-US" sz="4180" spc="242" strike="noStrike">
                 <a:solidFill>
                   <a:srgbClr val="000000"/>
                 </a:solidFill>
@@ -11500,7 +11520,7 @@
         <p:spPr>
           <a:xfrm>
             <a:off x="498600" y="896040"/>
-            <a:ext cx="11138040" cy="5422320"/>
+            <a:ext cx="11137320" cy="5421960"/>
           </a:xfrm>
           <a:prstGeom prst="rect">
             <a:avLst/>
@@ -11742,7 +11762,7 @@
         <p:spPr>
           <a:xfrm>
             <a:off x="103680" y="132120"/>
-            <a:ext cx="12087360" cy="636840"/>
+            <a:ext cx="12086640" cy="636840"/>
           </a:xfrm>
           <a:prstGeom prst="rect">
             <a:avLst/>
@@ -11773,7 +11793,7 @@
               </a:tabLst>
             </a:pPr>
             <a:r>
-              <a:rPr b="1" lang="en-US" sz="4180" spc="248" strike="noStrike">
+              <a:rPr b="1" lang="en-US" sz="4180" spc="242" strike="noStrike">
                 <a:solidFill>
                   <a:srgbClr val="000000"/>
                 </a:solidFill>
@@ -11797,7 +11817,7 @@
         <p:spPr>
           <a:xfrm>
             <a:off x="256680" y="774720"/>
-            <a:ext cx="11677320" cy="6122520"/>
+            <a:ext cx="11676600" cy="6122520"/>
           </a:xfrm>
           <a:prstGeom prst="rect">
             <a:avLst/>
@@ -12310,7 +12330,7 @@
         <p:spPr>
           <a:xfrm>
             <a:off x="103680" y="132120"/>
-            <a:ext cx="12087360" cy="636840"/>
+            <a:ext cx="12086640" cy="636840"/>
           </a:xfrm>
           <a:prstGeom prst="rect">
             <a:avLst/>
@@ -12341,7 +12361,7 @@
               </a:tabLst>
             </a:pPr>
             <a:r>
-              <a:rPr b="1" lang="en-US" sz="4180" spc="248" strike="noStrike">
+              <a:rPr b="1" lang="en-US" sz="4180" spc="242" strike="noStrike">
                 <a:solidFill>
                   <a:srgbClr val="000000"/>
                 </a:solidFill>
@@ -12365,7 +12385,7 @@
         <p:spPr>
           <a:xfrm>
             <a:off x="308520" y="774720"/>
-            <a:ext cx="11677320" cy="5787360"/>
+            <a:ext cx="11676600" cy="5787360"/>
           </a:xfrm>
           <a:prstGeom prst="rect">
             <a:avLst/>
@@ -12814,7 +12834,7 @@
                 <a:latin typeface="Calibri"/>
                 <a:ea typeface="DejaVu Sans"/>
               </a:rPr>
-              <a:t>Dokonany zostaje network contnainment komputera </a:t>
+              <a:t>Dokonany zostaje network containment komputera </a:t>
             </a:r>
             <a:r>
               <a:rPr b="0" i="1" lang="en-US" sz="2200" spc="-1" strike="noStrike">
@@ -12860,16 +12880,6 @@
                 <a:ea typeface="DejaVu Sans"/>
               </a:rPr>
               <a:t> AS4134 - CHINANET-BACKBONE</a:t>
-            </a:r>
-            <a:r>
-              <a:rPr b="0" lang="en-US" sz="2200" spc="-1" strike="noStrike">
-                <a:solidFill>
-                  <a:srgbClr val="000000"/>
-                </a:solidFill>
-                <a:latin typeface="Calibri"/>
-                <a:ea typeface="DejaVu Sans"/>
-              </a:rPr>
-              <a:t>)</a:t>
             </a:r>
             <a:endParaRPr b="0" lang="en-US" sz="2200" spc="-1" strike="noStrike">
               <a:latin typeface="Arial"/>
@@ -13026,7 +13036,7 @@
         <p:spPr>
           <a:xfrm>
             <a:off x="103680" y="132120"/>
-            <a:ext cx="12087360" cy="636840"/>
+            <a:ext cx="12086640" cy="636840"/>
           </a:xfrm>
           <a:prstGeom prst="rect">
             <a:avLst/>
@@ -13057,7 +13067,7 @@
               </a:tabLst>
             </a:pPr>
             <a:r>
-              <a:rPr b="1" lang="en-US" sz="4180" spc="248" strike="noStrike">
+              <a:rPr b="1" lang="en-US" sz="4180" spc="242" strike="noStrike">
                 <a:solidFill>
                   <a:srgbClr val="000000"/>
                 </a:solidFill>
@@ -13081,7 +13091,7 @@
         <p:spPr>
           <a:xfrm>
             <a:off x="308520" y="774720"/>
-            <a:ext cx="11677320" cy="5787720"/>
+            <a:ext cx="11676600" cy="5787360"/>
           </a:xfrm>
           <a:prstGeom prst="rect">
             <a:avLst/>
@@ -13549,7 +13559,7 @@
         <p:spPr>
           <a:xfrm>
             <a:off x="1619640" y="615240"/>
-            <a:ext cx="7767360" cy="636840"/>
+            <a:ext cx="7766640" cy="636840"/>
           </a:xfrm>
           <a:prstGeom prst="rect">
             <a:avLst/>
@@ -13580,7 +13590,7 @@
               </a:tabLst>
             </a:pPr>
             <a:r>
-              <a:rPr b="1" lang="en-US" sz="4180" spc="248" strike="noStrike">
+              <a:rPr b="1" lang="en-US" sz="4180" spc="242" strike="noStrike">
                 <a:solidFill>
                   <a:srgbClr val="000000"/>
                 </a:solidFill>
@@ -13604,7 +13614,7 @@
         <p:spPr>
           <a:xfrm>
             <a:off x="489600" y="1416600"/>
-            <a:ext cx="11146320" cy="4841640"/>
+            <a:ext cx="11145600" cy="4841640"/>
           </a:xfrm>
           <a:prstGeom prst="rect">
             <a:avLst/>
@@ -13640,7 +13650,7 @@
                 <a:latin typeface="Calibri"/>
                 <a:ea typeface="DejaVu Sans"/>
               </a:rPr>
-              <a:t>1.2 Plan reagowania/strategia</a:t>
+              <a:t>1.2 Strategia, plan reagowania</a:t>
             </a:r>
             <a:endParaRPr b="0" lang="en-US" sz="2600" spc="-1" strike="noStrike">
               <a:latin typeface="Arial"/>
@@ -13676,7 +13686,7 @@
                 <a:latin typeface="Calibri"/>
                 <a:ea typeface="DejaVu Sans"/>
               </a:rPr>
-              <a:t>Priorytetyzacja incydentów na podstawie ich konsekwencji (impact)</a:t>
+              <a:t>Priorytetyzacja incydentów na podstawie ich potencjalnych konsekwencji (impact)</a:t>
             </a:r>
             <a:endParaRPr b="0" lang="en-US" sz="2600" spc="-1" strike="noStrike">
               <a:latin typeface="Arial"/>
@@ -13701,7 +13711,7 @@
                 <a:latin typeface="Calibri"/>
                 <a:ea typeface="DejaVu Sans"/>
               </a:rPr>
-              <a:t>malware na systemie należącym do dyrektora/managera/finansisty będzie mieć wyższy priorytet niż u osoby z działu komunikacji/pracownika wsparcia itd.</a:t>
+              <a:t>malware na systemie należącym do dyrektora/managera/finansisty będzie mieć wyższy priorytet niż u osoby z działu komunikacji/marketingu/ itd.</a:t>
             </a:r>
             <a:endParaRPr b="0" lang="en-US" sz="2600" spc="-1" strike="noStrike">
               <a:latin typeface="Arial"/>
@@ -13834,7 +13844,7 @@
         <p:spPr>
           <a:xfrm>
             <a:off x="0" y="0"/>
-            <a:ext cx="12286080" cy="913320"/>
+            <a:ext cx="12285360" cy="913320"/>
           </a:xfrm>
           <a:prstGeom prst="rect">
             <a:avLst/>
@@ -13865,7 +13875,7 @@
               </a:tabLst>
             </a:pPr>
             <a:r>
-              <a:rPr b="1" lang="en-US" sz="3000" spc="248" strike="noStrike">
+              <a:rPr b="1" lang="en-US" sz="3000" spc="242" strike="noStrike">
                 <a:solidFill>
                   <a:srgbClr val="000000"/>
                 </a:solidFill>
@@ -13893,7 +13903,7 @@
         <p:spPr>
           <a:xfrm>
             <a:off x="1839240" y="1159560"/>
-            <a:ext cx="8512560" cy="5563800"/>
+            <a:ext cx="8511840" cy="5563080"/>
           </a:xfrm>
           <a:prstGeom prst="rect">
             <a:avLst/>
@@ -13942,7 +13952,7 @@
         <p:spPr>
           <a:xfrm>
             <a:off x="0" y="0"/>
-            <a:ext cx="12286080" cy="913320"/>
+            <a:ext cx="12285360" cy="913320"/>
           </a:xfrm>
           <a:prstGeom prst="rect">
             <a:avLst/>
@@ -13973,7 +13983,7 @@
               </a:tabLst>
             </a:pPr>
             <a:r>
-              <a:rPr b="1" lang="en-US" sz="3000" spc="248" strike="noStrike">
+              <a:rPr b="1" lang="en-US" sz="3000" spc="242" strike="noStrike">
                 <a:solidFill>
                   <a:srgbClr val="000000"/>
                 </a:solidFill>
@@ -14001,7 +14011,7 @@
         <p:spPr>
           <a:xfrm>
             <a:off x="2220840" y="990360"/>
-            <a:ext cx="8484120" cy="4027320"/>
+            <a:ext cx="8483400" cy="4026600"/>
           </a:xfrm>
           <a:prstGeom prst="rect">
             <a:avLst/>
@@ -14020,7 +14030,7 @@
         <p:spPr>
           <a:xfrm>
             <a:off x="981000" y="5324400"/>
-            <a:ext cx="10276560" cy="1186920"/>
+            <a:ext cx="10275840" cy="1186920"/>
           </a:xfrm>
           <a:prstGeom prst="rect">
             <a:avLst/>
@@ -14181,7 +14191,7 @@
         <p:spPr>
           <a:xfrm>
             <a:off x="0" y="0"/>
-            <a:ext cx="12286080" cy="913320"/>
+            <a:ext cx="12285360" cy="913320"/>
           </a:xfrm>
           <a:prstGeom prst="rect">
             <a:avLst/>
@@ -14212,7 +14222,7 @@
               </a:tabLst>
             </a:pPr>
             <a:r>
-              <a:rPr b="1" lang="en-US" sz="3000" spc="248" strike="noStrike">
+              <a:rPr b="1" lang="en-US" sz="3000" spc="242" strike="noStrike">
                 <a:solidFill>
                   <a:srgbClr val="000000"/>
                 </a:solidFill>
@@ -14236,7 +14246,7 @@
         <p:spPr>
           <a:xfrm>
             <a:off x="1029960" y="5311080"/>
-            <a:ext cx="10131120" cy="1461240"/>
+            <a:ext cx="10130400" cy="1461240"/>
           </a:xfrm>
           <a:prstGeom prst="rect">
             <a:avLst/>
@@ -14371,7 +14381,7 @@
         <p:spPr>
           <a:xfrm>
             <a:off x="2193480" y="1143000"/>
-            <a:ext cx="7635960" cy="3908520"/>
+            <a:ext cx="7635240" cy="3907800"/>
           </a:xfrm>
           <a:prstGeom prst="rect">
             <a:avLst/>
@@ -14420,7 +14430,7 @@
         <p:spPr>
           <a:xfrm>
             <a:off x="0" y="0"/>
-            <a:ext cx="12286080" cy="913320"/>
+            <a:ext cx="12285360" cy="913320"/>
           </a:xfrm>
           <a:prstGeom prst="rect">
             <a:avLst/>
@@ -14451,7 +14461,7 @@
               </a:tabLst>
             </a:pPr>
             <a:r>
-              <a:rPr b="1" lang="en-US" sz="3000" spc="248" strike="noStrike">
+              <a:rPr b="1" lang="en-US" sz="3000" spc="242" strike="noStrike">
                 <a:solidFill>
                   <a:srgbClr val="000000"/>
                 </a:solidFill>
@@ -14475,7 +14485,7 @@
         <p:spPr>
           <a:xfrm>
             <a:off x="1029960" y="5311080"/>
-            <a:ext cx="10131120" cy="1461240"/>
+            <a:ext cx="10130400" cy="1461240"/>
           </a:xfrm>
           <a:prstGeom prst="rect">
             <a:avLst/>
@@ -14585,7 +14595,7 @@
         <p:spPr>
           <a:xfrm>
             <a:off x="2203920" y="1143000"/>
-            <a:ext cx="7625520" cy="3903120"/>
+            <a:ext cx="7624800" cy="3902400"/>
           </a:xfrm>
           <a:prstGeom prst="rect">
             <a:avLst/>
@@ -14634,7 +14644,7 @@
         <p:spPr>
           <a:xfrm>
             <a:off x="0" y="0"/>
-            <a:ext cx="12286080" cy="913320"/>
+            <a:ext cx="12285360" cy="913320"/>
           </a:xfrm>
           <a:prstGeom prst="rect">
             <a:avLst/>
@@ -14665,7 +14675,7 @@
               </a:tabLst>
             </a:pPr>
             <a:r>
-              <a:rPr b="1" lang="en-US" sz="3000" spc="248" strike="noStrike">
+              <a:rPr b="1" lang="en-US" sz="3000" spc="242" strike="noStrike">
                 <a:solidFill>
                   <a:srgbClr val="000000"/>
                 </a:solidFill>
@@ -14689,7 +14699,7 @@
         <p:spPr>
           <a:xfrm>
             <a:off x="673560" y="5058360"/>
-            <a:ext cx="11415960" cy="1735560"/>
+            <a:ext cx="11415240" cy="1735560"/>
           </a:xfrm>
           <a:prstGeom prst="rect">
             <a:avLst/>
@@ -14753,7 +14763,7 @@
                 <a:latin typeface="Calibri"/>
                 <a:ea typeface="DejaVu Sans"/>
               </a:rPr>
-              <a:t>W ewentualnego wykrycia ataku, zespół reagujący ma poważny problem z ustaleniem, w jaki sposób 10.1.10.101 został skompromitowany (brak logów)</a:t>
+              <a:t>W razie ewentualnego wykrycia ataku, zespół reagujący ma poważny problem z ustaleniem, w jaki sposób 10.1.10.101 został skompromitowany (brak logów)</a:t>
             </a:r>
             <a:endParaRPr b="0" lang="en-US" sz="1800" spc="-1" strike="noStrike">
               <a:latin typeface="Arial"/>
@@ -14834,7 +14844,7 @@
         <p:spPr>
           <a:xfrm>
             <a:off x="2204280" y="1143360"/>
-            <a:ext cx="7625520" cy="3903120"/>
+            <a:ext cx="7624800" cy="3902400"/>
           </a:xfrm>
           <a:prstGeom prst="rect">
             <a:avLst/>
@@ -14887,7 +14897,7 @@
         <p:spPr>
           <a:xfrm>
             <a:off x="762120" y="112680"/>
-            <a:ext cx="10973160" cy="1114920"/>
+            <a:ext cx="10972440" cy="1114200"/>
           </a:xfrm>
           <a:prstGeom prst="rect">
             <a:avLst/>
@@ -14933,7 +14943,7 @@
         <p:spPr>
           <a:xfrm>
             <a:off x="688320" y="1228680"/>
-            <a:ext cx="10293120" cy="5633640"/>
+            <a:ext cx="10292400" cy="5633640"/>
           </a:xfrm>
           <a:prstGeom prst="rect">
             <a:avLst/>
@@ -15149,7 +15159,7 @@
         <p:spPr>
           <a:xfrm>
             <a:off x="10759680" y="112680"/>
-            <a:ext cx="1339200" cy="870480"/>
+            <a:ext cx="1338480" cy="869760"/>
           </a:xfrm>
           <a:prstGeom prst="rect">
             <a:avLst/>
@@ -15202,7 +15212,7 @@
         <p:spPr>
           <a:xfrm>
             <a:off x="762120" y="112680"/>
-            <a:ext cx="10973160" cy="1114920"/>
+            <a:ext cx="10972440" cy="1114200"/>
           </a:xfrm>
           <a:prstGeom prst="rect">
             <a:avLst/>
@@ -15248,7 +15258,7 @@
         <p:spPr>
           <a:xfrm>
             <a:off x="688320" y="1228680"/>
-            <a:ext cx="10616040" cy="5237640"/>
+            <a:ext cx="10615320" cy="5237640"/>
           </a:xfrm>
           <a:prstGeom prst="rect">
             <a:avLst/>
@@ -15287,7 +15297,7 @@
                 <a:latin typeface="Calibri"/>
                 <a:ea typeface="DejaVu Sans"/>
               </a:rPr>
-              <a:t>Ustalenie tożsamości i motywów</a:t>
+              <a:t>Ustalenie tożsamości na podstawie motywów</a:t>
             </a:r>
             <a:endParaRPr b="0" lang="en-US" sz="2600" spc="-1" strike="noStrike">
               <a:latin typeface="Arial"/>
@@ -15592,7 +15602,7 @@
         <p:spPr>
           <a:xfrm>
             <a:off x="10759680" y="112680"/>
-            <a:ext cx="1339200" cy="870480"/>
+            <a:ext cx="1338480" cy="869760"/>
           </a:xfrm>
           <a:prstGeom prst="rect">
             <a:avLst/>
@@ -15645,7 +15655,7 @@
         <p:spPr>
           <a:xfrm>
             <a:off x="762120" y="112680"/>
-            <a:ext cx="10151640" cy="1114920"/>
+            <a:ext cx="10150920" cy="1114200"/>
           </a:xfrm>
           <a:prstGeom prst="rect">
             <a:avLst/>
@@ -15701,7 +15711,7 @@
         <p:spPr>
           <a:xfrm>
             <a:off x="688320" y="1228680"/>
-            <a:ext cx="10616040" cy="4674240"/>
+            <a:ext cx="10615320" cy="4673880"/>
           </a:xfrm>
           <a:prstGeom prst="rect">
             <a:avLst/>
@@ -15940,7 +15950,7 @@
         <p:spPr>
           <a:xfrm>
             <a:off x="10759680" y="112680"/>
-            <a:ext cx="1339200" cy="870480"/>
+            <a:ext cx="1338480" cy="869760"/>
           </a:xfrm>
           <a:prstGeom prst="rect">
             <a:avLst/>
@@ -15993,7 +16003,7 @@
         <p:spPr>
           <a:xfrm>
             <a:off x="762120" y="112680"/>
-            <a:ext cx="10973160" cy="1114920"/>
+            <a:ext cx="10972440" cy="1114200"/>
           </a:xfrm>
           <a:prstGeom prst="rect">
             <a:avLst/>
@@ -16039,7 +16049,7 @@
         <p:spPr>
           <a:xfrm>
             <a:off x="688320" y="1228680"/>
-            <a:ext cx="9858600" cy="5237640"/>
+            <a:ext cx="9857880" cy="5237640"/>
           </a:xfrm>
           <a:prstGeom prst="rect">
             <a:avLst/>
@@ -16264,7 +16274,7 @@
         <p:spPr>
           <a:xfrm>
             <a:off x="10784880" y="112680"/>
-            <a:ext cx="1289160" cy="1477440"/>
+            <a:ext cx="1288440" cy="1476720"/>
           </a:xfrm>
           <a:prstGeom prst="rect">
             <a:avLst/>
@@ -16321,7 +16331,7 @@
         <p:spPr>
           <a:xfrm>
             <a:off x="1540440" y="3153240"/>
-            <a:ext cx="9150480" cy="546480"/>
+            <a:ext cx="9149760" cy="546480"/>
           </a:xfrm>
           <a:prstGeom prst="rect">
             <a:avLst/>
@@ -16377,7 +16387,7 @@
         <p:spPr>
           <a:xfrm>
             <a:off x="7395480" y="3561480"/>
-            <a:ext cx="26280" cy="62280"/>
+            <a:ext cx="25560" cy="62280"/>
           </a:xfrm>
           <a:prstGeom prst="rect">
             <a:avLst/>
@@ -16459,7 +16469,7 @@
         <p:spPr>
           <a:xfrm>
             <a:off x="1619640" y="615240"/>
-            <a:ext cx="7767360" cy="636840"/>
+            <a:ext cx="7766640" cy="636840"/>
           </a:xfrm>
           <a:prstGeom prst="rect">
             <a:avLst/>
@@ -16490,7 +16500,7 @@
               </a:tabLst>
             </a:pPr>
             <a:r>
-              <a:rPr b="1" lang="en-US" sz="4180" spc="248" strike="noStrike">
+              <a:rPr b="1" lang="en-US" sz="4180" spc="242" strike="noStrike">
                 <a:solidFill>
                   <a:srgbClr val="000000"/>
                 </a:solidFill>
@@ -16514,7 +16524,7 @@
         <p:spPr>
           <a:xfrm>
             <a:off x="507960" y="1416600"/>
-            <a:ext cx="11127960" cy="5237640"/>
+            <a:ext cx="11127240" cy="5237640"/>
           </a:xfrm>
           <a:prstGeom prst="rect">
             <a:avLst/>
@@ -16551,6 +16561,16 @@
                 <a:ea typeface="DejaVu Sans"/>
               </a:rPr>
               <a:t>1.3 Komunikacja</a:t>
+            </a:r>
+            <a:r>
+              <a:rPr b="0" lang="en-US" sz="2600" spc="-1" strike="noStrike">
+                <a:solidFill>
+                  <a:srgbClr val="000000"/>
+                </a:solidFill>
+                <a:latin typeface="Calibri"/>
+                <a:ea typeface="DejaVu Sans"/>
+              </a:rPr>
+              <a:t> (Escalation Matrix)</a:t>
             </a:r>
             <a:endParaRPr b="0" lang="en-US" sz="2600" spc="-1" strike="noStrike">
               <a:latin typeface="Arial"/>
@@ -16808,7 +16828,7 @@
         <p:spPr>
           <a:xfrm>
             <a:off x="838080" y="365040"/>
-            <a:ext cx="10514520" cy="1324440"/>
+            <a:ext cx="10513800" cy="1323720"/>
           </a:xfrm>
           <a:prstGeom prst="rect">
             <a:avLst/>
@@ -16859,7 +16879,7 @@
         <p:spPr>
           <a:xfrm>
             <a:off x="838080" y="1345320"/>
-            <a:ext cx="10514520" cy="4350240"/>
+            <a:ext cx="10513800" cy="4349520"/>
           </a:xfrm>
           <a:prstGeom prst="rect">
             <a:avLst/>
@@ -16992,7 +17012,7 @@
         <p:spPr>
           <a:xfrm>
             <a:off x="1619640" y="0"/>
-            <a:ext cx="7767360" cy="636840"/>
+            <a:ext cx="7766640" cy="636840"/>
           </a:xfrm>
           <a:prstGeom prst="rect">
             <a:avLst/>
@@ -17023,7 +17043,7 @@
               </a:tabLst>
             </a:pPr>
             <a:r>
-              <a:rPr b="1" lang="en-US" sz="4180" spc="248" strike="noStrike">
+              <a:rPr b="1" lang="en-US" sz="4180" spc="242" strike="noStrike">
                 <a:solidFill>
                   <a:srgbClr val="000000"/>
                 </a:solidFill>
@@ -17047,7 +17067,7 @@
         <p:spPr>
           <a:xfrm>
             <a:off x="526320" y="782280"/>
-            <a:ext cx="11239560" cy="5573880"/>
+            <a:ext cx="11238840" cy="5573880"/>
           </a:xfrm>
           <a:prstGeom prst="rect">
             <a:avLst/>
@@ -17381,7 +17401,7 @@
         <p:spPr>
           <a:xfrm>
             <a:off x="1619640" y="0"/>
-            <a:ext cx="7767360" cy="636840"/>
+            <a:ext cx="7766640" cy="636840"/>
           </a:xfrm>
           <a:prstGeom prst="rect">
             <a:avLst/>
@@ -17412,7 +17432,7 @@
               </a:tabLst>
             </a:pPr>
             <a:r>
-              <a:rPr b="1" lang="en-US" sz="4180" spc="248" strike="noStrike">
+              <a:rPr b="1" lang="en-US" sz="4180" spc="242" strike="noStrike">
                 <a:solidFill>
                   <a:srgbClr val="000000"/>
                 </a:solidFill>
@@ -17436,7 +17456,7 @@
         <p:spPr>
           <a:xfrm>
             <a:off x="531360" y="782280"/>
-            <a:ext cx="11127960" cy="5237640"/>
+            <a:ext cx="11127240" cy="5237640"/>
           </a:xfrm>
           <a:prstGeom prst="rect">
             <a:avLst/>
@@ -17743,7 +17763,7 @@
         <p:spPr>
           <a:xfrm>
             <a:off x="1648080" y="0"/>
-            <a:ext cx="7767360" cy="636840"/>
+            <a:ext cx="7766640" cy="636840"/>
           </a:xfrm>
           <a:prstGeom prst="rect">
             <a:avLst/>
@@ -17774,7 +17794,7 @@
               </a:tabLst>
             </a:pPr>
             <a:r>
-              <a:rPr b="1" lang="en-US" sz="4180" spc="248" strike="noStrike">
+              <a:rPr b="1" lang="en-US" sz="4180" spc="242" strike="noStrike">
                 <a:solidFill>
                   <a:srgbClr val="000000"/>
                 </a:solidFill>
@@ -17798,7 +17818,7 @@
         <p:spPr>
           <a:xfrm>
             <a:off x="531360" y="816480"/>
-            <a:ext cx="11127960" cy="3653640"/>
+            <a:ext cx="11127240" cy="3653640"/>
           </a:xfrm>
           <a:prstGeom prst="rect">
             <a:avLst/>
@@ -18020,7 +18040,7 @@
         <p:spPr>
           <a:xfrm>
             <a:off x="1657800" y="100800"/>
-            <a:ext cx="7767360" cy="636840"/>
+            <a:ext cx="7766640" cy="636840"/>
           </a:xfrm>
           <a:prstGeom prst="rect">
             <a:avLst/>
@@ -18051,7 +18071,7 @@
               </a:tabLst>
             </a:pPr>
             <a:r>
-              <a:rPr b="1" lang="en-US" sz="4180" spc="248" strike="noStrike">
+              <a:rPr b="1" lang="en-US" sz="4180" spc="242" strike="noStrike">
                 <a:solidFill>
                   <a:srgbClr val="000000"/>
                 </a:solidFill>
@@ -18075,7 +18095,7 @@
         <p:spPr>
           <a:xfrm>
             <a:off x="531360" y="743400"/>
-            <a:ext cx="11127960" cy="2861640"/>
+            <a:ext cx="11127240" cy="2861640"/>
           </a:xfrm>
           <a:prstGeom prst="rect">
             <a:avLst/>
